--- a/session 1/session 1.pptx
+++ b/session 1/session 1.pptx
@@ -5,18 +5,19 @@
     <p:sldMasterId id="2147483648" r:id="rId1"/>
   </p:sldMasterIdLst>
   <p:sldIdLst>
-    <p:sldId id="256" r:id="rId2"/>
-    <p:sldId id="260" r:id="rId3"/>
-    <p:sldId id="257" r:id="rId4"/>
-    <p:sldId id="258" r:id="rId5"/>
-    <p:sldId id="259" r:id="rId6"/>
-    <p:sldId id="262" r:id="rId7"/>
-    <p:sldId id="261" r:id="rId8"/>
-    <p:sldId id="263" r:id="rId9"/>
-    <p:sldId id="264" r:id="rId10"/>
-    <p:sldId id="265" r:id="rId11"/>
-    <p:sldId id="266" r:id="rId12"/>
-    <p:sldId id="267" r:id="rId13"/>
+    <p:sldId id="272" r:id="rId2"/>
+    <p:sldId id="256" r:id="rId3"/>
+    <p:sldId id="260" r:id="rId4"/>
+    <p:sldId id="257" r:id="rId5"/>
+    <p:sldId id="258" r:id="rId6"/>
+    <p:sldId id="259" r:id="rId7"/>
+    <p:sldId id="262" r:id="rId8"/>
+    <p:sldId id="261" r:id="rId9"/>
+    <p:sldId id="263" r:id="rId10"/>
+    <p:sldId id="264" r:id="rId11"/>
+    <p:sldId id="265" r:id="rId12"/>
+    <p:sldId id="266" r:id="rId13"/>
+    <p:sldId id="267" r:id="rId14"/>
   </p:sldIdLst>
   <p:sldSz cx="12192000" cy="6858000"/>
   <p:notesSz cx="6858000" cy="9144000"/>
@@ -270,7 +271,7 @@
           <a:p>
             <a:fld id="{807B2B08-B017-4EEC-B17F-079F487C2A94}" type="datetimeFigureOut">
               <a:rPr lang="en-US" smtClean="0"/>
-              <a:t>10/10/25</a:t>
+              <a:t>10/17/25</a:t>
             </a:fld>
             <a:endParaRPr lang="en-US"/>
           </a:p>
@@ -468,7 +469,7 @@
           <a:p>
             <a:fld id="{807B2B08-B017-4EEC-B17F-079F487C2A94}" type="datetimeFigureOut">
               <a:rPr lang="en-US" smtClean="0"/>
-              <a:t>10/10/25</a:t>
+              <a:t>10/17/25</a:t>
             </a:fld>
             <a:endParaRPr lang="en-US"/>
           </a:p>
@@ -676,7 +677,7 @@
           <a:p>
             <a:fld id="{807B2B08-B017-4EEC-B17F-079F487C2A94}" type="datetimeFigureOut">
               <a:rPr lang="en-US" smtClean="0"/>
-              <a:t>10/10/25</a:t>
+              <a:t>10/17/25</a:t>
             </a:fld>
             <a:endParaRPr lang="en-US"/>
           </a:p>
@@ -874,7 +875,7 @@
           <a:p>
             <a:fld id="{807B2B08-B017-4EEC-B17F-079F487C2A94}" type="datetimeFigureOut">
               <a:rPr lang="en-US" smtClean="0"/>
-              <a:t>10/10/25</a:t>
+              <a:t>10/17/25</a:t>
             </a:fld>
             <a:endParaRPr lang="en-US"/>
           </a:p>
@@ -1149,7 +1150,7 @@
           <a:p>
             <a:fld id="{807B2B08-B017-4EEC-B17F-079F487C2A94}" type="datetimeFigureOut">
               <a:rPr lang="en-US" smtClean="0"/>
-              <a:t>10/10/25</a:t>
+              <a:t>10/17/25</a:t>
             </a:fld>
             <a:endParaRPr lang="en-US"/>
           </a:p>
@@ -1414,7 +1415,7 @@
           <a:p>
             <a:fld id="{807B2B08-B017-4EEC-B17F-079F487C2A94}" type="datetimeFigureOut">
               <a:rPr lang="en-US" smtClean="0"/>
-              <a:t>10/10/25</a:t>
+              <a:t>10/17/25</a:t>
             </a:fld>
             <a:endParaRPr lang="en-US"/>
           </a:p>
@@ -1826,7 +1827,7 @@
           <a:p>
             <a:fld id="{807B2B08-B017-4EEC-B17F-079F487C2A94}" type="datetimeFigureOut">
               <a:rPr lang="en-US" smtClean="0"/>
-              <a:t>10/10/25</a:t>
+              <a:t>10/17/25</a:t>
             </a:fld>
             <a:endParaRPr lang="en-US"/>
           </a:p>
@@ -1967,7 +1968,7 @@
           <a:p>
             <a:fld id="{807B2B08-B017-4EEC-B17F-079F487C2A94}" type="datetimeFigureOut">
               <a:rPr lang="en-US" smtClean="0"/>
-              <a:t>10/10/25</a:t>
+              <a:t>10/17/25</a:t>
             </a:fld>
             <a:endParaRPr lang="en-US"/>
           </a:p>
@@ -2080,7 +2081,7 @@
           <a:p>
             <a:fld id="{807B2B08-B017-4EEC-B17F-079F487C2A94}" type="datetimeFigureOut">
               <a:rPr lang="en-US" smtClean="0"/>
-              <a:t>10/10/25</a:t>
+              <a:t>10/17/25</a:t>
             </a:fld>
             <a:endParaRPr lang="en-US"/>
           </a:p>
@@ -2391,7 +2392,7 @@
           <a:p>
             <a:fld id="{807B2B08-B017-4EEC-B17F-079F487C2A94}" type="datetimeFigureOut">
               <a:rPr lang="en-US" smtClean="0"/>
-              <a:t>10/10/25</a:t>
+              <a:t>10/17/25</a:t>
             </a:fld>
             <a:endParaRPr lang="en-US"/>
           </a:p>
@@ -2679,7 +2680,7 @@
           <a:p>
             <a:fld id="{807B2B08-B017-4EEC-B17F-079F487C2A94}" type="datetimeFigureOut">
               <a:rPr lang="en-US" smtClean="0"/>
-              <a:t>10/10/25</a:t>
+              <a:t>10/17/25</a:t>
             </a:fld>
             <a:endParaRPr lang="en-US"/>
           </a:p>
@@ -2920,7 +2921,7 @@
           <a:p>
             <a:fld id="{807B2B08-B017-4EEC-B17F-079F487C2A94}" type="datetimeFigureOut">
               <a:rPr lang="en-US" smtClean="0"/>
-              <a:t>10/10/25</a:t>
+              <a:t>10/17/25</a:t>
             </a:fld>
             <a:endParaRPr lang="en-US"/>
           </a:p>
@@ -3339,330 +3340,84 @@
       </p:grpSpPr>
       <p:sp>
         <p:nvSpPr>
-          <p:cNvPr id="4" name="TextBox 3">
-            <a:extLst>
-              <a:ext uri="{FF2B5EF4-FFF2-40B4-BE49-F238E27FC236}">
-                <a16:creationId xmlns:a16="http://schemas.microsoft.com/office/drawing/2014/main" id="{1F3A004C-57F2-4831-B539-656D63523175}"/>
-              </a:ext>
-            </a:extLst>
-          </p:cNvPr>
-          <p:cNvSpPr txBox="1"/>
-          <p:nvPr/>
+          <p:cNvPr id="2" name="Title 1">
+            <a:extLst>
+              <a:ext uri="{FF2B5EF4-FFF2-40B4-BE49-F238E27FC236}">
+                <a16:creationId xmlns:a16="http://schemas.microsoft.com/office/drawing/2014/main" id="{6694C456-2368-04EF-CB18-5B4BA1953C93}"/>
+              </a:ext>
+            </a:extLst>
+          </p:cNvPr>
+          <p:cNvSpPr>
+            <a:spLocks noGrp="1"/>
+          </p:cNvSpPr>
+          <p:nvPr>
+            <p:ph type="ctrTitle"/>
+          </p:nvPr>
         </p:nvSpPr>
         <p:spPr>
           <a:xfrm>
-            <a:off x="417359" y="308481"/>
-            <a:ext cx="11108747" cy="6281848"/>
+            <a:off x="1079864" y="452845"/>
+            <a:ext cx="9144000" cy="5786006"/>
           </a:xfrm>
-          <a:prstGeom prst="rect">
-            <a:avLst/>
-          </a:prstGeom>
-          <a:noFill/>
         </p:spPr>
         <p:txBody>
-          <a:bodyPr wrap="none" rtlCol="0">
-            <a:spAutoFit/>
+          <a:bodyPr>
+            <a:normAutofit/>
           </a:bodyPr>
           <a:lstStyle/>
           <a:p>
-            <a:pPr>
-              <a:lnSpc>
-                <a:spcPct val="150000"/>
-              </a:lnSpc>
-            </a:pPr>
-            <a:r>
-              <a:rPr lang="en-US" b="1" dirty="0">
-                <a:latin typeface="+mj-lt"/>
-              </a:rPr>
-              <a:t>What is HTML ?</a:t>
-            </a:r>
-          </a:p>
-          <a:p>
-            <a:pPr>
-              <a:lnSpc>
-                <a:spcPct val="150000"/>
-              </a:lnSpc>
-            </a:pPr>
-            <a:r>
-              <a:rPr lang="en-US" dirty="0">
-                <a:latin typeface="+mj-lt"/>
-              </a:rPr>
-              <a:t>Html is Hyper text mark up language.</a:t>
-            </a:r>
-          </a:p>
-          <a:p>
-            <a:pPr>
-              <a:lnSpc>
-                <a:spcPct val="150000"/>
-              </a:lnSpc>
-            </a:pPr>
-            <a:r>
-              <a:rPr lang="en-US" dirty="0">
-                <a:latin typeface="+mj-lt"/>
-              </a:rPr>
-              <a:t>It is the standard markup language used to create the structure of the every web page.</a:t>
-            </a:r>
-          </a:p>
-          <a:p>
-            <a:pPr>
-              <a:lnSpc>
-                <a:spcPct val="150000"/>
-              </a:lnSpc>
-            </a:pPr>
-            <a:r>
-              <a:rPr lang="en-US" dirty="0">
-                <a:latin typeface="+mj-lt"/>
-              </a:rPr>
-              <a:t>Actually :</a:t>
-            </a:r>
-          </a:p>
-          <a:p>
-            <a:pPr>
-              <a:lnSpc>
-                <a:spcPct val="150000"/>
-              </a:lnSpc>
-            </a:pPr>
-            <a:r>
-              <a:rPr lang="en-US" dirty="0">
-                <a:highlight>
-                  <a:srgbClr val="00FF00"/>
-                </a:highlight>
-                <a:latin typeface="+mj-lt"/>
-              </a:rPr>
-              <a:t>Hyper text</a:t>
-            </a:r>
-            <a:r>
-              <a:rPr lang="en-US" dirty="0">
-                <a:latin typeface="+mj-lt"/>
-              </a:rPr>
-              <a:t> refers to the linking capability of html that allowing  you to connect one page to another through hyperlink.</a:t>
-            </a:r>
-          </a:p>
-          <a:p>
-            <a:pPr>
-              <a:lnSpc>
-                <a:spcPct val="150000"/>
-              </a:lnSpc>
-            </a:pPr>
-            <a:r>
-              <a:rPr lang="en-US" dirty="0">
-                <a:latin typeface="+mj-lt"/>
-              </a:rPr>
-              <a:t>This is what enable you to navigate by clicking on links .</a:t>
-            </a:r>
-          </a:p>
-          <a:p>
-            <a:pPr>
-              <a:lnSpc>
-                <a:spcPct val="150000"/>
-              </a:lnSpc>
-            </a:pPr>
-            <a:r>
-              <a:rPr lang="en-US" dirty="0">
-                <a:highlight>
-                  <a:srgbClr val="00FF00"/>
-                </a:highlight>
-                <a:latin typeface="+mj-lt"/>
-              </a:rPr>
-              <a:t>Markup language</a:t>
-            </a:r>
-            <a:r>
-              <a:rPr lang="en-US" dirty="0">
-                <a:latin typeface="+mj-lt"/>
-              </a:rPr>
-              <a:t> means it uses tags and elements to display </a:t>
-            </a:r>
-            <a:r>
-              <a:rPr lang="en-US" dirty="0" err="1">
-                <a:latin typeface="+mj-lt"/>
-              </a:rPr>
-              <a:t>conten</a:t>
-            </a:r>
-            <a:endParaRPr lang="en-US" dirty="0">
-              <a:solidFill>
-                <a:srgbClr val="C00000"/>
-              </a:solidFill>
-              <a:latin typeface="+mj-lt"/>
-            </a:endParaRPr>
-          </a:p>
-          <a:p>
-            <a:pPr>
-              <a:lnSpc>
-                <a:spcPct val="150000"/>
-              </a:lnSpc>
-            </a:pPr>
-            <a:endParaRPr lang="en-US">
-              <a:solidFill>
-                <a:srgbClr val="C00000"/>
-              </a:solidFill>
-              <a:latin typeface="+mj-lt"/>
-            </a:endParaRPr>
-          </a:p>
-          <a:p>
-            <a:pPr>
-              <a:lnSpc>
-                <a:spcPct val="150000"/>
-              </a:lnSpc>
-            </a:pPr>
-            <a:endParaRPr lang="en-US" dirty="0">
-              <a:solidFill>
-                <a:srgbClr val="C00000"/>
-              </a:solidFill>
-              <a:latin typeface="+mj-lt"/>
-            </a:endParaRPr>
-          </a:p>
-          <a:p>
-            <a:pPr algn="l">
-              <a:lnSpc>
-                <a:spcPct val="150000"/>
-              </a:lnSpc>
-            </a:pPr>
-            <a:r>
-              <a:rPr lang="en-US" b="1" dirty="0">
-                <a:solidFill>
-                  <a:srgbClr val="171717"/>
-                </a:solidFill>
-                <a:latin typeface="+mj-lt"/>
-              </a:rPr>
-              <a:t>I</a:t>
-            </a:r>
-            <a:r>
-              <a:rPr lang="en-US" b="1" i="0" dirty="0">
-                <a:solidFill>
-                  <a:srgbClr val="171717"/>
-                </a:solidFill>
-                <a:effectLst/>
-                <a:latin typeface="+mj-lt"/>
-              </a:rPr>
-              <a:t>magine a web page like the Human Body</a:t>
-            </a:r>
-          </a:p>
-          <a:p>
-            <a:pPr algn="l">
-              <a:lnSpc>
-                <a:spcPct val="150000"/>
-              </a:lnSpc>
-            </a:pPr>
-            <a:r>
-              <a:rPr lang="en-US" b="1" i="0" dirty="0">
-                <a:solidFill>
-                  <a:srgbClr val="171717"/>
-                </a:solidFill>
-                <a:effectLst/>
-                <a:latin typeface="+mj-lt"/>
-              </a:rPr>
-              <a:t>and HTML, CSS &amp; JS </a:t>
-            </a:r>
-            <a:r>
-              <a:rPr lang="en-US" b="1" dirty="0">
-                <a:solidFill>
-                  <a:srgbClr val="171717"/>
-                </a:solidFill>
-                <a:latin typeface="+mj-lt"/>
-              </a:rPr>
-              <a:t>are </a:t>
-            </a:r>
-          </a:p>
-          <a:p>
-            <a:pPr algn="l">
-              <a:lnSpc>
-                <a:spcPct val="150000"/>
-              </a:lnSpc>
-            </a:pPr>
-            <a:r>
-              <a:rPr lang="en-US" b="1" i="0" dirty="0">
-                <a:solidFill>
-                  <a:srgbClr val="171717"/>
-                </a:solidFill>
-                <a:effectLst/>
-                <a:latin typeface="+mj-lt"/>
-              </a:rPr>
-              <a:t>Bones and styles and behavior.</a:t>
-            </a:r>
-          </a:p>
-          <a:p>
-            <a:pPr>
-              <a:lnSpc>
-                <a:spcPct val="150000"/>
-              </a:lnSpc>
-            </a:pPr>
-            <a:endParaRPr lang="en-US" dirty="0">
-              <a:latin typeface="+mj-lt"/>
-            </a:endParaRPr>
-          </a:p>
-          <a:p>
-            <a:pPr>
-              <a:lnSpc>
-                <a:spcPct val="150000"/>
-              </a:lnSpc>
-            </a:pPr>
-            <a:endParaRPr lang="en-US" dirty="0">
-              <a:latin typeface="+mj-lt"/>
-            </a:endParaRPr>
-          </a:p>
-          <a:p>
-            <a:pPr>
-              <a:lnSpc>
-                <a:spcPct val="150000"/>
-              </a:lnSpc>
-            </a:pPr>
-            <a:endParaRPr lang="en-US" dirty="0">
-              <a:latin typeface="+mj-lt"/>
-            </a:endParaRPr>
-          </a:p>
-        </p:txBody>
-      </p:sp>
-      <p:pic>
-        <p:nvPicPr>
-          <p:cNvPr id="5" name="Picture 2">
-            <a:extLst>
-              <a:ext uri="{FF2B5EF4-FFF2-40B4-BE49-F238E27FC236}">
-                <a16:creationId xmlns:a16="http://schemas.microsoft.com/office/drawing/2014/main" id="{821F2483-14F8-4B3D-A728-60797B9C8192}"/>
-              </a:ext>
-            </a:extLst>
-          </p:cNvPr>
-          <p:cNvPicPr>
-            <a:picLocks noChangeAspect="1" noChangeArrowheads="1"/>
-          </p:cNvPicPr>
-          <p:nvPr/>
-        </p:nvPicPr>
-        <p:blipFill>
-          <a:blip r:embed="rId2">
-            <a:extLst>
-              <a:ext uri="{28A0092B-C50C-407E-A947-70E740481C1C}">
-                <a14:useLocalDpi xmlns:a14="http://schemas.microsoft.com/office/drawing/2010/main" val="0"/>
-              </a:ext>
-            </a:extLst>
-          </a:blip>
-          <a:srcRect/>
-          <a:stretch>
-            <a:fillRect/>
-          </a:stretch>
-        </p:blipFill>
-        <p:spPr bwMode="auto">
-          <a:xfrm>
-            <a:off x="5050970" y="2722419"/>
-            <a:ext cx="5188737" cy="3748863"/>
-          </a:xfrm>
-          <a:prstGeom prst="rect">
-            <a:avLst/>
-          </a:prstGeom>
-          <a:noFill/>
-          <a:extLst>
-            <a:ext uri="{909E8E84-426E-40DD-AFC4-6F175D3DCCD1}">
-              <a14:hiddenFill xmlns:a14="http://schemas.microsoft.com/office/drawing/2010/main">
-                <a:solidFill>
-                  <a:srgbClr val="FFFFFF"/>
-                </a:solidFill>
-              </a14:hiddenFill>
-            </a:ext>
-          </a:extLst>
-        </p:spPr>
-      </p:pic>
+            <a:r>
+              <a:rPr lang="en-US" b="1" dirty="0"/>
+              <a:t>Special topics</a:t>
+            </a:r>
+            <a:br>
+              <a:rPr lang="en-US" dirty="0"/>
+            </a:br>
+            <a:br>
+              <a:rPr lang="en-US" dirty="0"/>
+            </a:br>
+            <a:r>
+              <a:rPr lang="en-US" sz="3200" b="1" dirty="0"/>
+              <a:t>Session 1</a:t>
+            </a:r>
+            <a:br>
+              <a:rPr lang="en-US" sz="3200" b="1" dirty="0"/>
+            </a:br>
+            <a:br>
+              <a:rPr lang="en-US" dirty="0"/>
+            </a:br>
+            <a:br>
+              <a:rPr lang="en-US" dirty="0"/>
+            </a:br>
+            <a:br>
+              <a:rPr lang="en-US" dirty="0"/>
+            </a:br>
+            <a:r>
+              <a:rPr lang="en-US" sz="2000" dirty="0"/>
+              <a:t>Al-Zahra university </a:t>
+            </a:r>
+            <a:br>
+              <a:rPr lang="en-US" sz="2000" dirty="0"/>
+            </a:br>
+            <a:r>
+              <a:rPr lang="en-US" sz="2000" dirty="0"/>
+              <a:t>Maryam </a:t>
+            </a:r>
+            <a:r>
+              <a:rPr lang="en-US" sz="2000" dirty="0" err="1"/>
+              <a:t>zim</a:t>
+            </a:r>
+            <a:r>
+              <a:rPr lang="en-US" sz="2000" dirty="0"/>
+              <a:t> </a:t>
+            </a:r>
+          </a:p>
+        </p:txBody>
+      </p:sp>
     </p:spTree>
     <p:extLst>
       <p:ext uri="{BB962C8B-B14F-4D97-AF65-F5344CB8AC3E}">
-        <p14:creationId xmlns:p14="http://schemas.microsoft.com/office/powerpoint/2010/main" val="892937293"/>
+        <p14:creationId xmlns:p14="http://schemas.microsoft.com/office/powerpoint/2010/main" val="479985526"/>
       </p:ext>
     </p:extLst>
   </p:cSld>
@@ -3673,6 +3428,364 @@
 </file>
 
 <file path=ppt/slides/slide10.xml><?xml version="1.0" encoding="utf-8"?>
+<p:sld xmlns:a="http://schemas.openxmlformats.org/drawingml/2006/main" xmlns:r="http://schemas.openxmlformats.org/officeDocument/2006/relationships" xmlns:p="http://schemas.openxmlformats.org/presentationml/2006/main">
+  <p:cSld>
+    <p:spTree>
+      <p:nvGrpSpPr>
+        <p:cNvPr id="1" name=""/>
+        <p:cNvGrpSpPr/>
+        <p:nvPr/>
+      </p:nvGrpSpPr>
+      <p:grpSpPr>
+        <a:xfrm>
+          <a:off x="0" y="0"/>
+          <a:ext cx="0" cy="0"/>
+          <a:chOff x="0" y="0"/>
+          <a:chExt cx="0" cy="0"/>
+        </a:xfrm>
+      </p:grpSpPr>
+      <p:sp>
+        <p:nvSpPr>
+          <p:cNvPr id="4" name="TextBox 3">
+            <a:extLst>
+              <a:ext uri="{FF2B5EF4-FFF2-40B4-BE49-F238E27FC236}">
+                <a16:creationId xmlns:a16="http://schemas.microsoft.com/office/drawing/2014/main" id="{7EBAD9E0-F4F9-44EC-BE74-A7FCD42E3036}"/>
+              </a:ext>
+            </a:extLst>
+          </p:cNvPr>
+          <p:cNvSpPr txBox="1"/>
+          <p:nvPr/>
+        </p:nvSpPr>
+        <p:spPr>
+          <a:xfrm>
+            <a:off x="692742" y="0"/>
+            <a:ext cx="8789188" cy="7112845"/>
+          </a:xfrm>
+          <a:prstGeom prst="rect">
+            <a:avLst/>
+          </a:prstGeom>
+          <a:noFill/>
+        </p:spPr>
+        <p:txBody>
+          <a:bodyPr wrap="square" rtlCol="0">
+            <a:spAutoFit/>
+          </a:bodyPr>
+          <a:lstStyle/>
+          <a:p>
+            <a:pPr>
+              <a:lnSpc>
+                <a:spcPct val="150000"/>
+              </a:lnSpc>
+            </a:pPr>
+            <a:r>
+              <a:rPr lang="en-US" b="1" dirty="0">
+                <a:latin typeface="+mj-lt"/>
+              </a:rPr>
+              <a:t>&lt;Body &gt; tag : </a:t>
+            </a:r>
+          </a:p>
+          <a:p>
+            <a:pPr>
+              <a:lnSpc>
+                <a:spcPct val="150000"/>
+              </a:lnSpc>
+            </a:pPr>
+            <a:r>
+              <a:rPr lang="en-US" dirty="0">
+                <a:latin typeface="+mj-lt"/>
+              </a:rPr>
+              <a:t>Everything the users see and interact is in this tag.</a:t>
+            </a:r>
+          </a:p>
+          <a:p>
+            <a:pPr>
+              <a:lnSpc>
+                <a:spcPct val="150000"/>
+              </a:lnSpc>
+            </a:pPr>
+            <a:r>
+              <a:rPr lang="en-US" b="1" dirty="0">
+                <a:latin typeface="+mj-lt"/>
+              </a:rPr>
+              <a:t>What is attribute : </a:t>
+            </a:r>
+          </a:p>
+          <a:p>
+            <a:pPr>
+              <a:lnSpc>
+                <a:spcPct val="150000"/>
+              </a:lnSpc>
+            </a:pPr>
+            <a:r>
+              <a:rPr lang="en-US" dirty="0">
+                <a:latin typeface="+mj-lt"/>
+              </a:rPr>
+              <a:t>Attributes give extra information about html elements.</a:t>
+            </a:r>
+          </a:p>
+          <a:p>
+            <a:pPr>
+              <a:lnSpc>
+                <a:spcPct val="150000"/>
+              </a:lnSpc>
+            </a:pPr>
+            <a:r>
+              <a:rPr lang="en-US" dirty="0">
+                <a:latin typeface="+mj-lt"/>
+              </a:rPr>
+              <a:t>We should written inside the opening tag only.</a:t>
+            </a:r>
+          </a:p>
+          <a:p>
+            <a:pPr>
+              <a:lnSpc>
+                <a:spcPct val="150000"/>
+              </a:lnSpc>
+            </a:pPr>
+            <a:r>
+              <a:rPr lang="en-US" b="1" dirty="0">
+                <a:latin typeface="+mj-lt"/>
+              </a:rPr>
+              <a:t>Format</a:t>
+            </a:r>
+            <a:r>
+              <a:rPr lang="en-US" dirty="0">
+                <a:latin typeface="+mj-lt"/>
+              </a:rPr>
+              <a:t> = &gt; &lt;tag-name attribute-name=“value &gt; content &lt;/tag-name&gt;</a:t>
+            </a:r>
+          </a:p>
+          <a:p>
+            <a:pPr>
+              <a:lnSpc>
+                <a:spcPct val="150000"/>
+              </a:lnSpc>
+            </a:pPr>
+            <a:r>
+              <a:rPr lang="en-US" b="1" dirty="0">
+                <a:latin typeface="+mj-lt"/>
+              </a:rPr>
+              <a:t>We have 2 types :</a:t>
+            </a:r>
+          </a:p>
+          <a:p>
+            <a:pPr>
+              <a:lnSpc>
+                <a:spcPct val="150000"/>
+              </a:lnSpc>
+            </a:pPr>
+            <a:r>
+              <a:rPr lang="en-US" dirty="0">
+                <a:latin typeface="+mj-lt"/>
+              </a:rPr>
+              <a:t>1- global attribute =&gt; works on most element like id/class/style , </a:t>
+            </a:r>
+            <a:r>
+              <a:rPr lang="en-US" dirty="0" err="1">
+                <a:latin typeface="+mj-lt"/>
+              </a:rPr>
+              <a:t>etc</a:t>
+            </a:r>
+            <a:r>
+              <a:rPr lang="en-US" dirty="0">
+                <a:latin typeface="+mj-lt"/>
+              </a:rPr>
+              <a:t> </a:t>
+            </a:r>
+          </a:p>
+          <a:p>
+            <a:pPr>
+              <a:lnSpc>
+                <a:spcPct val="150000"/>
+              </a:lnSpc>
+            </a:pPr>
+            <a:r>
+              <a:rPr lang="en-US" dirty="0">
+                <a:latin typeface="+mj-lt"/>
+              </a:rPr>
+              <a:t>2- element specific =&gt; required for accessibility :</a:t>
+            </a:r>
+          </a:p>
+          <a:p>
+            <a:pPr>
+              <a:lnSpc>
+                <a:spcPct val="150000"/>
+              </a:lnSpc>
+            </a:pPr>
+            <a:r>
+              <a:rPr lang="en-US" dirty="0">
+                <a:latin typeface="+mj-lt"/>
+              </a:rPr>
+              <a:t>For example: </a:t>
+            </a:r>
+          </a:p>
+          <a:p>
+            <a:pPr>
+              <a:lnSpc>
+                <a:spcPct val="150000"/>
+              </a:lnSpc>
+            </a:pPr>
+            <a:r>
+              <a:rPr lang="en-US" dirty="0">
+                <a:latin typeface="+mj-lt"/>
+              </a:rPr>
+              <a:t>&lt;</a:t>
+            </a:r>
+            <a:r>
+              <a:rPr lang="en-US" dirty="0" err="1">
+                <a:latin typeface="+mj-lt"/>
+              </a:rPr>
+              <a:t>img</a:t>
+            </a:r>
+            <a:r>
+              <a:rPr lang="en-US" dirty="0">
+                <a:latin typeface="+mj-lt"/>
+              </a:rPr>
+              <a:t> </a:t>
+            </a:r>
+            <a:r>
+              <a:rPr lang="en-US" dirty="0" err="1">
+                <a:latin typeface="+mj-lt"/>
+              </a:rPr>
+              <a:t>src</a:t>
+            </a:r>
+            <a:r>
+              <a:rPr lang="en-US" dirty="0">
+                <a:latin typeface="+mj-lt"/>
+              </a:rPr>
+              <a:t> alt /&gt;</a:t>
+            </a:r>
+          </a:p>
+          <a:p>
+            <a:pPr>
+              <a:lnSpc>
+                <a:spcPct val="150000"/>
+              </a:lnSpc>
+            </a:pPr>
+            <a:r>
+              <a:rPr lang="en-US" b="1" dirty="0" err="1">
+                <a:latin typeface="+mj-lt"/>
+              </a:rPr>
+              <a:t>Src</a:t>
+            </a:r>
+            <a:r>
+              <a:rPr lang="en-US" dirty="0">
+                <a:latin typeface="+mj-lt"/>
+              </a:rPr>
+              <a:t> = path of image</a:t>
+            </a:r>
+          </a:p>
+          <a:p>
+            <a:pPr>
+              <a:lnSpc>
+                <a:spcPct val="150000"/>
+              </a:lnSpc>
+            </a:pPr>
+            <a:r>
+              <a:rPr lang="en-US" b="1" dirty="0">
+                <a:latin typeface="+mj-lt"/>
+              </a:rPr>
+              <a:t>Alt</a:t>
+            </a:r>
+            <a:r>
+              <a:rPr lang="en-US" dirty="0">
+                <a:latin typeface="+mj-lt"/>
+              </a:rPr>
+              <a:t>= </a:t>
+            </a:r>
+            <a:r>
+              <a:rPr lang="en-US" b="0" i="0" dirty="0">
+                <a:effectLst/>
+                <a:latin typeface="+mj-lt"/>
+              </a:rPr>
+              <a:t>The alt attribute provides alternative information for an image if a user for</a:t>
+            </a:r>
+          </a:p>
+          <a:p>
+            <a:pPr>
+              <a:lnSpc>
+                <a:spcPct val="150000"/>
+              </a:lnSpc>
+            </a:pPr>
+            <a:r>
+              <a:rPr lang="en-US" b="0" i="0" dirty="0">
+                <a:effectLst/>
+                <a:latin typeface="+mj-lt"/>
+              </a:rPr>
+              <a:t>some reason cannot view it (because of slow connection,</a:t>
+            </a:r>
+          </a:p>
+          <a:p>
+            <a:pPr>
+              <a:lnSpc>
+                <a:spcPct val="150000"/>
+              </a:lnSpc>
+            </a:pPr>
+            <a:r>
+              <a:rPr lang="en-US" b="0" i="0" dirty="0">
+                <a:effectLst/>
+                <a:latin typeface="+mj-lt"/>
+              </a:rPr>
+              <a:t>an error in the </a:t>
+            </a:r>
+            <a:r>
+              <a:rPr lang="en-US" b="0" i="0" dirty="0" err="1">
+                <a:effectLst/>
+                <a:latin typeface="+mj-lt"/>
+              </a:rPr>
+              <a:t>src</a:t>
+            </a:r>
+            <a:r>
+              <a:rPr lang="en-US" b="0" i="0" dirty="0">
+                <a:effectLst/>
+                <a:latin typeface="+mj-lt"/>
+              </a:rPr>
+              <a:t> attribute, or if the user uses a screen reader).</a:t>
+            </a:r>
+          </a:p>
+          <a:p>
+            <a:pPr>
+              <a:lnSpc>
+                <a:spcPct val="150000"/>
+              </a:lnSpc>
+            </a:pPr>
+            <a:r>
+              <a:rPr lang="en-US" b="0" i="0" dirty="0">
+                <a:effectLst/>
+                <a:latin typeface="+mj-lt"/>
+              </a:rPr>
+              <a:t>Tip: To create a tooltip for an image, use the title attribute!</a:t>
+            </a:r>
+            <a:endParaRPr lang="en-US" dirty="0">
+              <a:latin typeface="+mj-lt"/>
+            </a:endParaRPr>
+          </a:p>
+          <a:p>
+            <a:pPr>
+              <a:lnSpc>
+                <a:spcPct val="150000"/>
+              </a:lnSpc>
+            </a:pPr>
+            <a:endParaRPr lang="en-US" dirty="0">
+              <a:latin typeface="+mj-lt"/>
+            </a:endParaRPr>
+          </a:p>
+        </p:txBody>
+      </p:sp>
+    </p:spTree>
+    <p:extLst>
+      <p:ext uri="{BB962C8B-B14F-4D97-AF65-F5344CB8AC3E}">
+        <p14:creationId xmlns:p14="http://schemas.microsoft.com/office/powerpoint/2010/main" val="2434307261"/>
+      </p:ext>
+    </p:extLst>
+  </p:cSld>
+  <p:clrMapOvr>
+    <a:masterClrMapping/>
+  </p:clrMapOvr>
+</p:sld>
+</file>
+
+<file path=ppt/slides/slide11.xml><?xml version="1.0" encoding="utf-8"?>
 <p:sld xmlns:a="http://schemas.openxmlformats.org/drawingml/2006/main" xmlns:r="http://schemas.openxmlformats.org/officeDocument/2006/relationships" xmlns:p="http://schemas.openxmlformats.org/presentationml/2006/main">
   <p:cSld>
     <p:spTree>
@@ -4105,7 +4218,7 @@
 </p:sld>
 </file>
 
-<file path=ppt/slides/slide11.xml><?xml version="1.0" encoding="utf-8"?>
+<file path=ppt/slides/slide12.xml><?xml version="1.0" encoding="utf-8"?>
 <p:sld xmlns:a="http://schemas.openxmlformats.org/drawingml/2006/main" xmlns:r="http://schemas.openxmlformats.org/officeDocument/2006/relationships" xmlns:p="http://schemas.openxmlformats.org/presentationml/2006/main">
   <p:cSld>
     <p:spTree>
@@ -4365,7 +4478,7 @@
 </p:sld>
 </file>
 
-<file path=ppt/slides/slide12.xml><?xml version="1.0" encoding="utf-8"?>
+<file path=ppt/slides/slide13.xml><?xml version="1.0" encoding="utf-8"?>
 <p:sld xmlns:a="http://schemas.openxmlformats.org/drawingml/2006/main" xmlns:r="http://schemas.openxmlformats.org/officeDocument/2006/relationships" xmlns:p="http://schemas.openxmlformats.org/presentationml/2006/main">
   <p:cSld>
     <p:spTree>
@@ -4679,6 +4792,358 @@
       </p:grpSpPr>
       <p:sp>
         <p:nvSpPr>
+          <p:cNvPr id="4" name="TextBox 3">
+            <a:extLst>
+              <a:ext uri="{FF2B5EF4-FFF2-40B4-BE49-F238E27FC236}">
+                <a16:creationId xmlns:a16="http://schemas.microsoft.com/office/drawing/2014/main" id="{1F3A004C-57F2-4831-B539-656D63523175}"/>
+              </a:ext>
+            </a:extLst>
+          </p:cNvPr>
+          <p:cNvSpPr txBox="1"/>
+          <p:nvPr/>
+        </p:nvSpPr>
+        <p:spPr>
+          <a:xfrm>
+            <a:off x="417359" y="308481"/>
+            <a:ext cx="11108747" cy="6281848"/>
+          </a:xfrm>
+          <a:prstGeom prst="rect">
+            <a:avLst/>
+          </a:prstGeom>
+          <a:noFill/>
+        </p:spPr>
+        <p:txBody>
+          <a:bodyPr wrap="none" rtlCol="0">
+            <a:spAutoFit/>
+          </a:bodyPr>
+          <a:lstStyle/>
+          <a:p>
+            <a:pPr>
+              <a:lnSpc>
+                <a:spcPct val="150000"/>
+              </a:lnSpc>
+            </a:pPr>
+            <a:r>
+              <a:rPr lang="en-US" b="1" dirty="0">
+                <a:latin typeface="+mj-lt"/>
+              </a:rPr>
+              <a:t>What is HTML ?</a:t>
+            </a:r>
+          </a:p>
+          <a:p>
+            <a:pPr>
+              <a:lnSpc>
+                <a:spcPct val="150000"/>
+              </a:lnSpc>
+            </a:pPr>
+            <a:r>
+              <a:rPr lang="en-US" dirty="0">
+                <a:latin typeface="+mj-lt"/>
+              </a:rPr>
+              <a:t>Html is Hyper text mark up language.</a:t>
+            </a:r>
+          </a:p>
+          <a:p>
+            <a:pPr>
+              <a:lnSpc>
+                <a:spcPct val="150000"/>
+              </a:lnSpc>
+            </a:pPr>
+            <a:r>
+              <a:rPr lang="en-US" dirty="0">
+                <a:latin typeface="+mj-lt"/>
+              </a:rPr>
+              <a:t>It is the standard markup language used to create the structure of the every web page.</a:t>
+            </a:r>
+          </a:p>
+          <a:p>
+            <a:pPr>
+              <a:lnSpc>
+                <a:spcPct val="150000"/>
+              </a:lnSpc>
+            </a:pPr>
+            <a:r>
+              <a:rPr lang="en-US" dirty="0">
+                <a:latin typeface="+mj-lt"/>
+              </a:rPr>
+              <a:t>Actually :</a:t>
+            </a:r>
+          </a:p>
+          <a:p>
+            <a:pPr>
+              <a:lnSpc>
+                <a:spcPct val="150000"/>
+              </a:lnSpc>
+            </a:pPr>
+            <a:r>
+              <a:rPr lang="en-US" dirty="0">
+                <a:highlight>
+                  <a:srgbClr val="00FF00"/>
+                </a:highlight>
+                <a:latin typeface="+mj-lt"/>
+              </a:rPr>
+              <a:t>Hyper text</a:t>
+            </a:r>
+            <a:r>
+              <a:rPr lang="en-US" dirty="0">
+                <a:latin typeface="+mj-lt"/>
+              </a:rPr>
+              <a:t> refers to the linking capability of html that allowing  you to connect one page to another through hyperlink.</a:t>
+            </a:r>
+          </a:p>
+          <a:p>
+            <a:pPr>
+              <a:lnSpc>
+                <a:spcPct val="150000"/>
+              </a:lnSpc>
+            </a:pPr>
+            <a:r>
+              <a:rPr lang="en-US" dirty="0">
+                <a:latin typeface="+mj-lt"/>
+              </a:rPr>
+              <a:t>This is what enable you to navigate by clicking on links .</a:t>
+            </a:r>
+          </a:p>
+          <a:p>
+            <a:pPr>
+              <a:lnSpc>
+                <a:spcPct val="150000"/>
+              </a:lnSpc>
+            </a:pPr>
+            <a:r>
+              <a:rPr lang="en-US" dirty="0">
+                <a:highlight>
+                  <a:srgbClr val="00FF00"/>
+                </a:highlight>
+                <a:latin typeface="+mj-lt"/>
+              </a:rPr>
+              <a:t>Markup language</a:t>
+            </a:r>
+            <a:r>
+              <a:rPr lang="en-US" dirty="0">
+                <a:latin typeface="+mj-lt"/>
+              </a:rPr>
+              <a:t> means it uses tags and elements to display </a:t>
+            </a:r>
+            <a:r>
+              <a:rPr lang="en-US" dirty="0" err="1">
+                <a:latin typeface="+mj-lt"/>
+              </a:rPr>
+              <a:t>conten</a:t>
+            </a:r>
+            <a:endParaRPr lang="en-US" dirty="0">
+              <a:solidFill>
+                <a:srgbClr val="C00000"/>
+              </a:solidFill>
+              <a:latin typeface="+mj-lt"/>
+            </a:endParaRPr>
+          </a:p>
+          <a:p>
+            <a:pPr>
+              <a:lnSpc>
+                <a:spcPct val="150000"/>
+              </a:lnSpc>
+            </a:pPr>
+            <a:endParaRPr lang="en-US">
+              <a:solidFill>
+                <a:srgbClr val="C00000"/>
+              </a:solidFill>
+              <a:latin typeface="+mj-lt"/>
+            </a:endParaRPr>
+          </a:p>
+          <a:p>
+            <a:pPr>
+              <a:lnSpc>
+                <a:spcPct val="150000"/>
+              </a:lnSpc>
+            </a:pPr>
+            <a:endParaRPr lang="en-US" dirty="0">
+              <a:solidFill>
+                <a:srgbClr val="C00000"/>
+              </a:solidFill>
+              <a:latin typeface="+mj-lt"/>
+            </a:endParaRPr>
+          </a:p>
+          <a:p>
+            <a:pPr algn="l">
+              <a:lnSpc>
+                <a:spcPct val="150000"/>
+              </a:lnSpc>
+            </a:pPr>
+            <a:r>
+              <a:rPr lang="en-US" b="1" dirty="0">
+                <a:solidFill>
+                  <a:srgbClr val="171717"/>
+                </a:solidFill>
+                <a:latin typeface="+mj-lt"/>
+              </a:rPr>
+              <a:t>I</a:t>
+            </a:r>
+            <a:r>
+              <a:rPr lang="en-US" b="1" i="0" dirty="0">
+                <a:solidFill>
+                  <a:srgbClr val="171717"/>
+                </a:solidFill>
+                <a:effectLst/>
+                <a:latin typeface="+mj-lt"/>
+              </a:rPr>
+              <a:t>magine a web page like the Human Body</a:t>
+            </a:r>
+          </a:p>
+          <a:p>
+            <a:pPr algn="l">
+              <a:lnSpc>
+                <a:spcPct val="150000"/>
+              </a:lnSpc>
+            </a:pPr>
+            <a:r>
+              <a:rPr lang="en-US" b="1" i="0" dirty="0">
+                <a:solidFill>
+                  <a:srgbClr val="171717"/>
+                </a:solidFill>
+                <a:effectLst/>
+                <a:latin typeface="+mj-lt"/>
+              </a:rPr>
+              <a:t>and HTML, CSS &amp; JS </a:t>
+            </a:r>
+            <a:r>
+              <a:rPr lang="en-US" b="1" dirty="0">
+                <a:solidFill>
+                  <a:srgbClr val="171717"/>
+                </a:solidFill>
+                <a:latin typeface="+mj-lt"/>
+              </a:rPr>
+              <a:t>are </a:t>
+            </a:r>
+          </a:p>
+          <a:p>
+            <a:pPr algn="l">
+              <a:lnSpc>
+                <a:spcPct val="150000"/>
+              </a:lnSpc>
+            </a:pPr>
+            <a:r>
+              <a:rPr lang="en-US" b="1" i="0" dirty="0">
+                <a:solidFill>
+                  <a:srgbClr val="171717"/>
+                </a:solidFill>
+                <a:effectLst/>
+                <a:latin typeface="+mj-lt"/>
+              </a:rPr>
+              <a:t>Bones and styles and behavior.</a:t>
+            </a:r>
+          </a:p>
+          <a:p>
+            <a:pPr>
+              <a:lnSpc>
+                <a:spcPct val="150000"/>
+              </a:lnSpc>
+            </a:pPr>
+            <a:endParaRPr lang="en-US" dirty="0">
+              <a:latin typeface="+mj-lt"/>
+            </a:endParaRPr>
+          </a:p>
+          <a:p>
+            <a:pPr>
+              <a:lnSpc>
+                <a:spcPct val="150000"/>
+              </a:lnSpc>
+            </a:pPr>
+            <a:endParaRPr lang="en-US" dirty="0">
+              <a:latin typeface="+mj-lt"/>
+            </a:endParaRPr>
+          </a:p>
+          <a:p>
+            <a:pPr>
+              <a:lnSpc>
+                <a:spcPct val="150000"/>
+              </a:lnSpc>
+            </a:pPr>
+            <a:endParaRPr lang="en-US" dirty="0">
+              <a:latin typeface="+mj-lt"/>
+            </a:endParaRPr>
+          </a:p>
+        </p:txBody>
+      </p:sp>
+      <p:pic>
+        <p:nvPicPr>
+          <p:cNvPr id="5" name="Picture 2">
+            <a:extLst>
+              <a:ext uri="{FF2B5EF4-FFF2-40B4-BE49-F238E27FC236}">
+                <a16:creationId xmlns:a16="http://schemas.microsoft.com/office/drawing/2014/main" id="{821F2483-14F8-4B3D-A728-60797B9C8192}"/>
+              </a:ext>
+            </a:extLst>
+          </p:cNvPr>
+          <p:cNvPicPr>
+            <a:picLocks noChangeAspect="1" noChangeArrowheads="1"/>
+          </p:cNvPicPr>
+          <p:nvPr/>
+        </p:nvPicPr>
+        <p:blipFill>
+          <a:blip r:embed="rId2">
+            <a:extLst>
+              <a:ext uri="{28A0092B-C50C-407E-A947-70E740481C1C}">
+                <a14:useLocalDpi xmlns:a14="http://schemas.microsoft.com/office/drawing/2010/main" val="0"/>
+              </a:ext>
+            </a:extLst>
+          </a:blip>
+          <a:srcRect/>
+          <a:stretch>
+            <a:fillRect/>
+          </a:stretch>
+        </p:blipFill>
+        <p:spPr bwMode="auto">
+          <a:xfrm>
+            <a:off x="5050970" y="2722419"/>
+            <a:ext cx="5188737" cy="3748863"/>
+          </a:xfrm>
+          <a:prstGeom prst="rect">
+            <a:avLst/>
+          </a:prstGeom>
+          <a:noFill/>
+          <a:extLst>
+            <a:ext uri="{909E8E84-426E-40DD-AFC4-6F175D3DCCD1}">
+              <a14:hiddenFill xmlns:a14="http://schemas.microsoft.com/office/drawing/2010/main">
+                <a:solidFill>
+                  <a:srgbClr val="FFFFFF"/>
+                </a:solidFill>
+              </a14:hiddenFill>
+            </a:ext>
+          </a:extLst>
+        </p:spPr>
+      </p:pic>
+    </p:spTree>
+    <p:extLst>
+      <p:ext uri="{BB962C8B-B14F-4D97-AF65-F5344CB8AC3E}">
+        <p14:creationId xmlns:p14="http://schemas.microsoft.com/office/powerpoint/2010/main" val="892937293"/>
+      </p:ext>
+    </p:extLst>
+  </p:cSld>
+  <p:clrMapOvr>
+    <a:masterClrMapping/>
+  </p:clrMapOvr>
+</p:sld>
+</file>
+
+<file path=ppt/slides/slide3.xml><?xml version="1.0" encoding="utf-8"?>
+<p:sld xmlns:a="http://schemas.openxmlformats.org/drawingml/2006/main" xmlns:r="http://schemas.openxmlformats.org/officeDocument/2006/relationships" xmlns:p="http://schemas.openxmlformats.org/presentationml/2006/main">
+  <p:cSld>
+    <p:spTree>
+      <p:nvGrpSpPr>
+        <p:cNvPr id="1" name=""/>
+        <p:cNvGrpSpPr/>
+        <p:nvPr/>
+      </p:nvGrpSpPr>
+      <p:grpSpPr>
+        <a:xfrm>
+          <a:off x="0" y="0"/>
+          <a:ext cx="0" cy="0"/>
+          <a:chOff x="0" y="0"/>
+          <a:chExt cx="0" cy="0"/>
+        </a:xfrm>
+      </p:grpSpPr>
+      <p:sp>
+        <p:nvSpPr>
           <p:cNvPr id="5" name="TextBox 4">
             <a:extLst>
               <a:ext uri="{FF2B5EF4-FFF2-40B4-BE49-F238E27FC236}">
@@ -4959,7 +5424,7 @@
 </p:sld>
 </file>
 
-<file path=ppt/slides/slide3.xml><?xml version="1.0" encoding="utf-8"?>
+<file path=ppt/slides/slide4.xml><?xml version="1.0" encoding="utf-8"?>
 <p:sld xmlns:a="http://schemas.openxmlformats.org/drawingml/2006/main" xmlns:r="http://schemas.openxmlformats.org/officeDocument/2006/relationships" xmlns:p="http://schemas.openxmlformats.org/presentationml/2006/main">
   <p:cSld>
     <p:spTree>
@@ -5225,286 +5690,6 @@
 </p:sld>
 </file>
 
-<file path=ppt/slides/slide4.xml><?xml version="1.0" encoding="utf-8"?>
-<p:sld xmlns:a="http://schemas.openxmlformats.org/drawingml/2006/main" xmlns:r="http://schemas.openxmlformats.org/officeDocument/2006/relationships" xmlns:p="http://schemas.openxmlformats.org/presentationml/2006/main">
-  <p:cSld>
-    <p:spTree>
-      <p:nvGrpSpPr>
-        <p:cNvPr id="1" name=""/>
-        <p:cNvGrpSpPr/>
-        <p:nvPr/>
-      </p:nvGrpSpPr>
-      <p:grpSpPr>
-        <a:xfrm>
-          <a:off x="0" y="0"/>
-          <a:ext cx="0" cy="0"/>
-          <a:chOff x="0" y="0"/>
-          <a:chExt cx="0" cy="0"/>
-        </a:xfrm>
-      </p:grpSpPr>
-      <p:sp>
-        <p:nvSpPr>
-          <p:cNvPr id="4" name="TextBox 3">
-            <a:extLst>
-              <a:ext uri="{FF2B5EF4-FFF2-40B4-BE49-F238E27FC236}">
-                <a16:creationId xmlns:a16="http://schemas.microsoft.com/office/drawing/2014/main" id="{770AF1C6-0C27-46A8-94AD-CC4480B6E21D}"/>
-              </a:ext>
-            </a:extLst>
-          </p:cNvPr>
-          <p:cNvSpPr txBox="1"/>
-          <p:nvPr/>
-        </p:nvSpPr>
-        <p:spPr>
-          <a:xfrm>
-            <a:off x="472826" y="520511"/>
-            <a:ext cx="11121763" cy="5816977"/>
-          </a:xfrm>
-          <a:prstGeom prst="rect">
-            <a:avLst/>
-          </a:prstGeom>
-          <a:noFill/>
-        </p:spPr>
-        <p:txBody>
-          <a:bodyPr wrap="none" rtlCol="0">
-            <a:spAutoFit/>
-          </a:bodyPr>
-          <a:lstStyle/>
-          <a:p>
-            <a:endParaRPr lang="en-US" dirty="0">
-              <a:latin typeface="+mj-lt"/>
-            </a:endParaRPr>
-          </a:p>
-          <a:p>
-            <a:r>
-              <a:rPr lang="en-US" sz="1800" b="1" dirty="0">
-                <a:latin typeface="+mj-lt"/>
-              </a:rPr>
-              <a:t>Parts of Html Document :</a:t>
-            </a:r>
-          </a:p>
-          <a:p>
-            <a:r>
-              <a:rPr lang="en-US" sz="1600" dirty="0">
-                <a:latin typeface="+mj-lt"/>
-              </a:rPr>
-              <a:t>It’s contains :</a:t>
-            </a:r>
-          </a:p>
-          <a:p>
-            <a:r>
-              <a:rPr lang="en-US" sz="1600" dirty="0">
-                <a:latin typeface="+mj-lt"/>
-              </a:rPr>
-              <a:t>1- html tags : &lt;html &gt; &lt;/html&gt; </a:t>
-            </a:r>
-          </a:p>
-          <a:p>
-            <a:r>
-              <a:rPr lang="en-US" sz="1600" dirty="0">
-                <a:latin typeface="+mj-lt"/>
-              </a:rPr>
-              <a:t>It’s a root and outermost the container for the whole page.</a:t>
-            </a:r>
-          </a:p>
-          <a:p>
-            <a:r>
-              <a:rPr lang="en-US" sz="1600" dirty="0">
-                <a:latin typeface="+mj-lt"/>
-              </a:rPr>
-              <a:t>Everything except the Doctype.</a:t>
-            </a:r>
-          </a:p>
-          <a:p>
-            <a:r>
-              <a:rPr lang="en-US" sz="1600" dirty="0">
-                <a:latin typeface="+mj-lt"/>
-              </a:rPr>
-              <a:t>2-head tag &lt;head&gt; &lt;/head&gt;</a:t>
-            </a:r>
-          </a:p>
-          <a:p>
-            <a:r>
-              <a:rPr lang="en-US" sz="1600" dirty="0">
-                <a:latin typeface="+mj-lt"/>
-              </a:rPr>
-              <a:t>Contains </a:t>
-            </a:r>
-            <a:r>
-              <a:rPr lang="en-US" sz="1600" dirty="0" err="1">
-                <a:latin typeface="+mj-lt"/>
-              </a:rPr>
-              <a:t>metada</a:t>
-            </a:r>
-            <a:r>
-              <a:rPr lang="en-US" sz="1600" dirty="0">
-                <a:latin typeface="+mj-lt"/>
-              </a:rPr>
-              <a:t> or information about the page.</a:t>
-            </a:r>
-          </a:p>
-          <a:p>
-            <a:r>
-              <a:rPr lang="en-US" sz="1600" dirty="0">
-                <a:latin typeface="+mj-lt"/>
-              </a:rPr>
-              <a:t>This is stuff that isn’t visible on the web page itself but is crucial for the browser and search engine.</a:t>
-            </a:r>
-          </a:p>
-          <a:p>
-            <a:r>
-              <a:rPr lang="en-US" sz="1600" dirty="0">
-                <a:latin typeface="+mj-lt"/>
-              </a:rPr>
-              <a:t>It’s consist of: </a:t>
-            </a:r>
-          </a:p>
-          <a:p>
-            <a:r>
-              <a:rPr lang="en-US" sz="1600" dirty="0" err="1">
-                <a:latin typeface="+mj-lt"/>
-              </a:rPr>
-              <a:t>Titl</a:t>
-            </a:r>
-            <a:r>
-              <a:rPr lang="en-US" sz="1600" dirty="0">
-                <a:latin typeface="+mj-lt"/>
-              </a:rPr>
-              <a:t> </a:t>
-            </a:r>
-          </a:p>
-          <a:p>
-            <a:r>
-              <a:rPr lang="en-US" sz="1600" dirty="0">
-                <a:latin typeface="+mj-lt"/>
-              </a:rPr>
-              <a:t>Metadata </a:t>
-            </a:r>
-          </a:p>
-          <a:p>
-            <a:r>
-              <a:rPr lang="en-US" sz="1600" dirty="0">
-                <a:latin typeface="+mj-lt"/>
-              </a:rPr>
-              <a:t>Link </a:t>
-            </a:r>
-          </a:p>
-          <a:p>
-            <a:r>
-              <a:rPr lang="en-US" sz="1600" dirty="0">
-                <a:latin typeface="+mj-lt"/>
-              </a:rPr>
-              <a:t>Script</a:t>
-            </a:r>
-          </a:p>
-          <a:p>
-            <a:endParaRPr lang="en-US" sz="1600" dirty="0">
-              <a:latin typeface="+mj-lt"/>
-            </a:endParaRPr>
-          </a:p>
-          <a:p>
-            <a:r>
-              <a:rPr lang="en-US" sz="1600" dirty="0">
-                <a:solidFill>
-                  <a:srgbClr val="00B050"/>
-                </a:solidFill>
-                <a:latin typeface="+mj-lt"/>
-              </a:rPr>
-              <a:t>Title: </a:t>
-            </a:r>
-          </a:p>
-          <a:p>
-            <a:r>
-              <a:rPr lang="en-US" sz="1600" b="0" i="0" dirty="0">
-                <a:solidFill>
-                  <a:srgbClr val="000000"/>
-                </a:solidFill>
-                <a:effectLst/>
-                <a:latin typeface="+mj-lt"/>
-              </a:rPr>
-              <a:t>element defines the title of the document. The title must be text-only, and it is shown in the browser's title bar or in the page's tab.</a:t>
-            </a:r>
-            <a:endParaRPr lang="en-US" sz="1600" dirty="0">
-              <a:latin typeface="+mj-lt"/>
-            </a:endParaRPr>
-          </a:p>
-          <a:p>
-            <a:endParaRPr lang="en-US" sz="1600" dirty="0">
-              <a:latin typeface="+mj-lt"/>
-            </a:endParaRPr>
-          </a:p>
-          <a:p>
-            <a:r>
-              <a:rPr lang="en-US" sz="1600" dirty="0">
-                <a:solidFill>
-                  <a:srgbClr val="00B050"/>
-                </a:solidFill>
-                <a:latin typeface="+mj-lt"/>
-              </a:rPr>
-              <a:t>Metadata : </a:t>
-            </a:r>
-          </a:p>
-          <a:p>
-            <a:r>
-              <a:rPr lang="en-US" sz="1600" dirty="0">
-                <a:latin typeface="+mj-lt"/>
-              </a:rPr>
-              <a:t>Metadata is data(Information) about data. Metadata is written inside &lt;head&gt; tag in html .</a:t>
-            </a:r>
-          </a:p>
-          <a:p>
-            <a:r>
-              <a:rPr lang="en-US" sz="1600" dirty="0">
-                <a:latin typeface="+mj-lt"/>
-              </a:rPr>
-              <a:t>Metadata is Information that describes the web page. It usually doesn’t appear directly on the page but browser , search engines and</a:t>
-            </a:r>
-          </a:p>
-          <a:p>
-            <a:r>
-              <a:rPr lang="en-US" sz="1600" dirty="0">
-                <a:latin typeface="+mj-lt"/>
-              </a:rPr>
-              <a:t>Social networks use it</a:t>
-            </a:r>
-          </a:p>
-          <a:p>
-            <a:r>
-              <a:rPr lang="en-US" sz="1600" dirty="0">
-                <a:latin typeface="+mj-lt"/>
-              </a:rPr>
-              <a:t>General syntax : </a:t>
-            </a:r>
-            <a:r>
-              <a:rPr lang="en-US" sz="1600" dirty="0">
-                <a:highlight>
-                  <a:srgbClr val="C0C0C0"/>
-                </a:highlight>
-                <a:latin typeface="+mj-lt"/>
-              </a:rPr>
-              <a:t>&lt;meta name=“” content=“” /&gt;</a:t>
-            </a:r>
-            <a:r>
-              <a:rPr lang="en-US" sz="1600" dirty="0">
-                <a:latin typeface="+mj-lt"/>
-              </a:rPr>
-              <a:t> </a:t>
-            </a:r>
-          </a:p>
-        </p:txBody>
-      </p:sp>
-    </p:spTree>
-    <p:extLst>
-      <p:ext uri="{BB962C8B-B14F-4D97-AF65-F5344CB8AC3E}">
-        <p14:creationId xmlns:p14="http://schemas.microsoft.com/office/powerpoint/2010/main" val="503727737"/>
-      </p:ext>
-    </p:extLst>
-  </p:cSld>
-  <p:clrMapOvr>
-    <a:masterClrMapping/>
-  </p:clrMapOvr>
-</p:sld>
-</file>
-
 <file path=ppt/slides/slide5.xml><?xml version="1.0" encoding="utf-8"?>
 <p:sld xmlns:a="http://schemas.openxmlformats.org/drawingml/2006/main" xmlns:r="http://schemas.openxmlformats.org/officeDocument/2006/relationships" xmlns:p="http://schemas.openxmlformats.org/presentationml/2006/main">
   <p:cSld>
@@ -5527,7 +5712,7 @@
           <p:cNvPr id="4" name="TextBox 3">
             <a:extLst>
               <a:ext uri="{FF2B5EF4-FFF2-40B4-BE49-F238E27FC236}">
-                <a16:creationId xmlns:a16="http://schemas.microsoft.com/office/drawing/2014/main" id="{834203D5-2F36-4447-88FE-75DDEADCD38C}"/>
+                <a16:creationId xmlns:a16="http://schemas.microsoft.com/office/drawing/2014/main" id="{770AF1C6-0C27-46A8-94AD-CC4480B6E21D}"/>
               </a:ext>
             </a:extLst>
           </p:cNvPr>
@@ -5536,8 +5721,8 @@
         </p:nvSpPr>
         <p:spPr>
           <a:xfrm>
-            <a:off x="574418" y="364907"/>
-            <a:ext cx="8649291" cy="6702091"/>
+            <a:off x="472826" y="520511"/>
+            <a:ext cx="11121763" cy="5816977"/>
           </a:xfrm>
           <a:prstGeom prst="rect">
             <a:avLst/>
@@ -5550,327 +5735,232 @@
           </a:bodyPr>
           <a:lstStyle/>
           <a:p>
-            <a:pPr>
-              <a:lnSpc>
-                <a:spcPct val="150000"/>
-              </a:lnSpc>
-            </a:pPr>
+            <a:endParaRPr lang="en-US" dirty="0">
+              <a:latin typeface="+mj-lt"/>
+            </a:endParaRPr>
+          </a:p>
+          <a:p>
+            <a:r>
+              <a:rPr lang="en-US" sz="1800" b="1" dirty="0">
+                <a:latin typeface="+mj-lt"/>
+              </a:rPr>
+              <a:t>Parts of Html Document :</a:t>
+            </a:r>
+          </a:p>
+          <a:p>
             <a:r>
               <a:rPr lang="en-US" sz="1600" dirty="0">
                 <a:latin typeface="+mj-lt"/>
               </a:rPr>
-              <a:t>Common meta tags :</a:t>
-            </a:r>
-          </a:p>
-          <a:p>
-            <a:pPr>
-              <a:lnSpc>
-                <a:spcPct val="150000"/>
-              </a:lnSpc>
-            </a:pPr>
+              <a:t>It’s contains :</a:t>
+            </a:r>
+          </a:p>
+          <a:p>
             <a:r>
               <a:rPr lang="en-US" sz="1600" dirty="0">
                 <a:latin typeface="+mj-lt"/>
               </a:rPr>
-              <a:t>&lt;meta charset=“UTF-8” /&gt;</a:t>
-            </a:r>
-          </a:p>
-          <a:p>
-            <a:pPr>
-              <a:lnSpc>
-                <a:spcPct val="150000"/>
-              </a:lnSpc>
-            </a:pPr>
+              <a:t>1- html tags : &lt;html &gt; &lt;/html&gt; </a:t>
+            </a:r>
+          </a:p>
+          <a:p>
             <a:r>
               <a:rPr lang="en-US" sz="1600" dirty="0">
                 <a:latin typeface="+mj-lt"/>
               </a:rPr>
-              <a:t>There is a standard encoding system that can display </a:t>
-            </a:r>
-          </a:p>
-          <a:p>
-            <a:pPr>
-              <a:lnSpc>
-                <a:spcPct val="150000"/>
-              </a:lnSpc>
-            </a:pPr>
+              <a:t>It’s a root and outermost the container for the whole page.</a:t>
+            </a:r>
+          </a:p>
+          <a:p>
             <a:r>
               <a:rPr lang="en-US" sz="1600" dirty="0">
                 <a:latin typeface="+mj-lt"/>
               </a:rPr>
-              <a:t>all the letters and symbols of different languages ​​in the world, including Persian, Chinese, etc.</a:t>
-            </a:r>
-          </a:p>
-          <a:p>
-            <a:pPr>
-              <a:lnSpc>
-                <a:spcPct val="150000"/>
-              </a:lnSpc>
-            </a:pPr>
+              <a:t>Everything except the Doctype.</a:t>
+            </a:r>
+          </a:p>
+          <a:p>
+            <a:r>
+              <a:rPr lang="en-US" sz="1600" dirty="0">
+                <a:latin typeface="+mj-lt"/>
+              </a:rPr>
+              <a:t>2-head tag &lt;head&gt; &lt;/head&gt;</a:t>
+            </a:r>
+          </a:p>
+          <a:p>
+            <a:r>
+              <a:rPr lang="en-US" sz="1600" dirty="0">
+                <a:latin typeface="+mj-lt"/>
+              </a:rPr>
+              <a:t>Contains </a:t>
+            </a:r>
+            <a:r>
+              <a:rPr lang="en-US" sz="1600" dirty="0" err="1">
+                <a:latin typeface="+mj-lt"/>
+              </a:rPr>
+              <a:t>metada</a:t>
+            </a:r>
+            <a:r>
+              <a:rPr lang="en-US" sz="1600" dirty="0">
+                <a:latin typeface="+mj-lt"/>
+              </a:rPr>
+              <a:t> or information about the page.</a:t>
+            </a:r>
+          </a:p>
+          <a:p>
+            <a:r>
+              <a:rPr lang="en-US" sz="1600" dirty="0">
+                <a:latin typeface="+mj-lt"/>
+              </a:rPr>
+              <a:t>This is stuff that isn’t visible on the web page itself but is crucial for the browser and search engine.</a:t>
+            </a:r>
+          </a:p>
+          <a:p>
+            <a:r>
+              <a:rPr lang="en-US" sz="1600" dirty="0">
+                <a:latin typeface="+mj-lt"/>
+              </a:rPr>
+              <a:t>It’s consist of: </a:t>
+            </a:r>
+          </a:p>
+          <a:p>
+            <a:r>
+              <a:rPr lang="en-US" sz="1600" dirty="0" err="1">
+                <a:latin typeface="+mj-lt"/>
+              </a:rPr>
+              <a:t>Titl</a:t>
+            </a:r>
+            <a:r>
+              <a:rPr lang="en-US" sz="1600" dirty="0">
+                <a:latin typeface="+mj-lt"/>
+              </a:rPr>
+              <a:t> </a:t>
+            </a:r>
+          </a:p>
+          <a:p>
+            <a:r>
+              <a:rPr lang="en-US" sz="1600" dirty="0">
+                <a:latin typeface="+mj-lt"/>
+              </a:rPr>
+              <a:t>Metadata </a:t>
+            </a:r>
+          </a:p>
+          <a:p>
+            <a:r>
+              <a:rPr lang="en-US" sz="1600" dirty="0">
+                <a:latin typeface="+mj-lt"/>
+              </a:rPr>
+              <a:t>Link </a:t>
+            </a:r>
+          </a:p>
+          <a:p>
+            <a:r>
+              <a:rPr lang="en-US" sz="1600" dirty="0">
+                <a:latin typeface="+mj-lt"/>
+              </a:rPr>
+              <a:t>Script</a:t>
+            </a:r>
+          </a:p>
+          <a:p>
             <a:endParaRPr lang="en-US" sz="1600" dirty="0">
               <a:latin typeface="+mj-lt"/>
             </a:endParaRPr>
           </a:p>
           <a:p>
-            <a:pPr>
-              <a:lnSpc>
-                <a:spcPct val="150000"/>
-              </a:lnSpc>
-            </a:pPr>
             <a:r>
               <a:rPr lang="en-US" sz="1600" dirty="0">
-                <a:latin typeface="+mj-lt"/>
-              </a:rPr>
-              <a:t>&lt;meta name=“description” content=“This is my first page” /&gt;</a:t>
-            </a:r>
-          </a:p>
-          <a:p>
-            <a:pPr>
-              <a:lnSpc>
-                <a:spcPct val="150000"/>
-              </a:lnSpc>
-            </a:pPr>
-            <a:r>
-              <a:rPr lang="en-US" sz="1600" i="0" dirty="0">
+                <a:solidFill>
+                  <a:srgbClr val="00B050"/>
+                </a:solidFill>
+                <a:latin typeface="+mj-lt"/>
+              </a:rPr>
+              <a:t>Title: </a:t>
+            </a:r>
+          </a:p>
+          <a:p>
+            <a:r>
+              <a:rPr lang="en-US" sz="1600" b="0" i="0" dirty="0">
                 <a:solidFill>
                   <a:srgbClr val="000000"/>
                 </a:solidFill>
                 <a:effectLst/>
                 <a:latin typeface="+mj-lt"/>
               </a:rPr>
-              <a:t>Define a description of your web page.</a:t>
-            </a:r>
-          </a:p>
-          <a:p>
-            <a:pPr>
-              <a:lnSpc>
-                <a:spcPct val="150000"/>
-              </a:lnSpc>
-            </a:pPr>
-            <a:endParaRPr lang="en-US" sz="1600" dirty="0">
-              <a:solidFill>
-                <a:srgbClr val="000000"/>
-              </a:solidFill>
-              <a:latin typeface="+mj-lt"/>
-            </a:endParaRPr>
-          </a:p>
-          <a:p>
-            <a:pPr>
-              <a:lnSpc>
-                <a:spcPct val="150000"/>
-              </a:lnSpc>
-            </a:pPr>
-            <a:r>
-              <a:rPr lang="en-US" sz="1600" i="0" dirty="0">
-                <a:solidFill>
-                  <a:srgbClr val="000000"/>
-                </a:solidFill>
-                <a:effectLst/>
-                <a:latin typeface="+mj-lt"/>
-              </a:rPr>
-              <a:t>&lt;meta name=“author” content=“Maryam </a:t>
-            </a:r>
-            <a:r>
-              <a:rPr lang="en-US" sz="1600" i="0" dirty="0" err="1">
-                <a:solidFill>
-                  <a:srgbClr val="000000"/>
-                </a:solidFill>
-                <a:effectLst/>
-                <a:latin typeface="+mj-lt"/>
-              </a:rPr>
-              <a:t>zim</a:t>
-            </a:r>
-            <a:r>
-              <a:rPr lang="en-US" sz="1600" dirty="0">
-                <a:solidFill>
-                  <a:srgbClr val="000000"/>
-                </a:solidFill>
-                <a:latin typeface="+mj-lt"/>
-              </a:rPr>
-              <a:t>” /&gt;</a:t>
-            </a:r>
-          </a:p>
-          <a:p>
-            <a:pPr>
-              <a:lnSpc>
-                <a:spcPct val="150000"/>
-              </a:lnSpc>
-            </a:pPr>
-            <a:r>
-              <a:rPr lang="en-US" sz="1600" dirty="0">
-                <a:solidFill>
-                  <a:srgbClr val="000000"/>
-                </a:solidFill>
-                <a:latin typeface="+mj-lt"/>
-              </a:rPr>
-              <a:t>Show how wrote the page .</a:t>
-            </a:r>
-          </a:p>
-          <a:p>
-            <a:pPr>
-              <a:lnSpc>
-                <a:spcPct val="150000"/>
-              </a:lnSpc>
-            </a:pPr>
-            <a:r>
-              <a:rPr lang="en-US" sz="1600" dirty="0">
-                <a:solidFill>
-                  <a:srgbClr val="000000"/>
-                </a:solidFill>
-                <a:latin typeface="+mj-lt"/>
-              </a:rPr>
-              <a:t>Before we move on to viewport meta, we need to know</a:t>
-            </a:r>
-          </a:p>
-          <a:p>
-            <a:pPr>
-              <a:lnSpc>
-                <a:spcPct val="150000"/>
-              </a:lnSpc>
-            </a:pPr>
-            <a:endParaRPr lang="en-US" sz="1600" dirty="0">
-              <a:solidFill>
-                <a:srgbClr val="000000"/>
-              </a:solidFill>
-              <a:latin typeface="+mj-lt"/>
-            </a:endParaRPr>
-          </a:p>
-          <a:p>
-            <a:pPr>
-              <a:lnSpc>
-                <a:spcPct val="150000"/>
-              </a:lnSpc>
-            </a:pPr>
-            <a:r>
-              <a:rPr lang="en-US" sz="1600" b="1" dirty="0">
-                <a:solidFill>
-                  <a:srgbClr val="C00000"/>
-                </a:solidFill>
-                <a:latin typeface="+mj-lt"/>
-              </a:rPr>
-              <a:t>what is viewport ?</a:t>
-            </a:r>
-          </a:p>
-          <a:p>
-            <a:pPr>
-              <a:lnSpc>
-                <a:spcPct val="150000"/>
-              </a:lnSpc>
-            </a:pPr>
-            <a:r>
-              <a:rPr lang="en-US" sz="1600" b="1" i="0" dirty="0">
-                <a:effectLst/>
-                <a:latin typeface="+mj-lt"/>
-              </a:rPr>
-              <a:t>The viewport is the user's visible area of a web page</a:t>
-            </a:r>
-            <a:r>
-              <a:rPr lang="en-US" sz="1600" b="0" i="0" dirty="0">
-                <a:effectLst/>
-                <a:latin typeface="+mj-lt"/>
-              </a:rPr>
-              <a:t>. </a:t>
-            </a:r>
-          </a:p>
-          <a:p>
-            <a:pPr>
-              <a:lnSpc>
-                <a:spcPct val="150000"/>
-              </a:lnSpc>
-            </a:pPr>
-            <a:r>
-              <a:rPr lang="en-US" sz="1600" b="0" i="0" dirty="0">
-                <a:effectLst/>
-                <a:latin typeface="+mj-lt"/>
-              </a:rPr>
-              <a:t>The viewport varies with the device, and will be smaller on a mobile phone than on a computer screen.</a:t>
-            </a:r>
-          </a:p>
-          <a:p>
-            <a:pPr>
-              <a:lnSpc>
-                <a:spcPct val="150000"/>
-              </a:lnSpc>
-            </a:pPr>
-            <a:endParaRPr lang="en-US" sz="1600" i="0" dirty="0">
-              <a:effectLst/>
-              <a:latin typeface="+mj-lt"/>
-            </a:endParaRPr>
-          </a:p>
-          <a:p>
-            <a:pPr>
-              <a:lnSpc>
-                <a:spcPct val="150000"/>
-              </a:lnSpc>
-            </a:pPr>
-            <a:endParaRPr lang="en-US" sz="1600" dirty="0">
-              <a:solidFill>
-                <a:srgbClr val="000000"/>
-              </a:solidFill>
-              <a:latin typeface="+mj-lt"/>
-            </a:endParaRPr>
-          </a:p>
-          <a:p>
-            <a:pPr>
-              <a:lnSpc>
-                <a:spcPct val="150000"/>
-              </a:lnSpc>
-            </a:pPr>
+              <a:t>element defines the title of the document. The title must be text-only, and it is shown in the browser's title bar or in the page's tab.</a:t>
+            </a:r>
             <a:endParaRPr lang="en-US" sz="1600" dirty="0">
               <a:latin typeface="+mj-lt"/>
             </a:endParaRPr>
           </a:p>
-        </p:txBody>
-      </p:sp>
-      <p:sp>
-        <p:nvSpPr>
-          <p:cNvPr id="6" name="AutoShape 4">
-            <a:extLst>
-              <a:ext uri="{FF2B5EF4-FFF2-40B4-BE49-F238E27FC236}">
-                <a16:creationId xmlns:a16="http://schemas.microsoft.com/office/drawing/2014/main" id="{8618E64C-9396-42C4-A0F8-6752FB8436BC}"/>
-              </a:ext>
-            </a:extLst>
-          </p:cNvPr>
-          <p:cNvSpPr>
-            <a:spLocks noChangeAspect="1" noChangeArrowheads="1"/>
-          </p:cNvSpPr>
-          <p:nvPr/>
-        </p:nvSpPr>
-        <p:spPr bwMode="auto">
-          <a:xfrm>
-            <a:off x="5943600" y="3276600"/>
-            <a:ext cx="304800" cy="304800"/>
-          </a:xfrm>
-          <a:prstGeom prst="rect">
-            <a:avLst/>
-          </a:prstGeom>
-          <a:noFill/>
-          <a:extLst>
-            <a:ext uri="{909E8E84-426E-40DD-AFC4-6F175D3DCCD1}">
-              <a14:hiddenFill xmlns:a14="http://schemas.microsoft.com/office/drawing/2010/main">
+          <a:p>
+            <a:endParaRPr lang="en-US" sz="1600" dirty="0">
+              <a:latin typeface="+mj-lt"/>
+            </a:endParaRPr>
+          </a:p>
+          <a:p>
+            <a:r>
+              <a:rPr lang="en-US" sz="1600" dirty="0">
                 <a:solidFill>
-                  <a:srgbClr val="FFFFFF"/>
+                  <a:srgbClr val="00B050"/>
                 </a:solidFill>
-              </a14:hiddenFill>
-            </a:ext>
-          </a:extLst>
-        </p:spPr>
-        <p:txBody>
-          <a:bodyPr vert="horz" wrap="square" lIns="91440" tIns="45720" rIns="91440" bIns="45720" numCol="1" anchor="t" anchorCtr="0" compatLnSpc="1">
-            <a:prstTxWarp prst="textNoShape">
-              <a:avLst/>
-            </a:prstTxWarp>
-          </a:bodyPr>
-          <a:lstStyle/>
-          <a:p>
-            <a:endParaRPr lang="en-US"/>
+                <a:latin typeface="+mj-lt"/>
+              </a:rPr>
+              <a:t>Metadata : </a:t>
+            </a:r>
+          </a:p>
+          <a:p>
+            <a:r>
+              <a:rPr lang="en-US" sz="1600" dirty="0">
+                <a:latin typeface="+mj-lt"/>
+              </a:rPr>
+              <a:t>Metadata is data(Information) about data. Metadata is written inside &lt;head&gt; tag in html .</a:t>
+            </a:r>
+          </a:p>
+          <a:p>
+            <a:r>
+              <a:rPr lang="en-US" sz="1600" dirty="0">
+                <a:latin typeface="+mj-lt"/>
+              </a:rPr>
+              <a:t>Metadata is Information that describes the web page. It usually doesn’t appear directly on the page but browser , search engines and</a:t>
+            </a:r>
+          </a:p>
+          <a:p>
+            <a:r>
+              <a:rPr lang="en-US" sz="1600" dirty="0">
+                <a:latin typeface="+mj-lt"/>
+              </a:rPr>
+              <a:t>Social networks use it</a:t>
+            </a:r>
+          </a:p>
+          <a:p>
+            <a:r>
+              <a:rPr lang="en-US" sz="1600" dirty="0">
+                <a:latin typeface="+mj-lt"/>
+              </a:rPr>
+              <a:t>General syntax : </a:t>
+            </a:r>
+            <a:r>
+              <a:rPr lang="en-US" sz="1600" dirty="0">
+                <a:highlight>
+                  <a:srgbClr val="C0C0C0"/>
+                </a:highlight>
+                <a:latin typeface="+mj-lt"/>
+              </a:rPr>
+              <a:t>&lt;meta name=“” content=“” /&gt;</a:t>
+            </a:r>
+            <a:r>
+              <a:rPr lang="en-US" sz="1600" dirty="0">
+                <a:latin typeface="+mj-lt"/>
+              </a:rPr>
+              <a:t> </a:t>
+            </a:r>
           </a:p>
         </p:txBody>
       </p:sp>
     </p:spTree>
     <p:extLst>
       <p:ext uri="{BB962C8B-B14F-4D97-AF65-F5344CB8AC3E}">
-        <p14:creationId xmlns:p14="http://schemas.microsoft.com/office/powerpoint/2010/main" val="2297839508"/>
+        <p14:creationId xmlns:p14="http://schemas.microsoft.com/office/powerpoint/2010/main" val="503727737"/>
       </p:ext>
     </p:extLst>
   </p:cSld>
@@ -5897,6 +5987,381 @@
           <a:chExt cx="0" cy="0"/>
         </a:xfrm>
       </p:grpSpPr>
+      <p:sp>
+        <p:nvSpPr>
+          <p:cNvPr id="4" name="TextBox 3">
+            <a:extLst>
+              <a:ext uri="{FF2B5EF4-FFF2-40B4-BE49-F238E27FC236}">
+                <a16:creationId xmlns:a16="http://schemas.microsoft.com/office/drawing/2014/main" id="{834203D5-2F36-4447-88FE-75DDEADCD38C}"/>
+              </a:ext>
+            </a:extLst>
+          </p:cNvPr>
+          <p:cNvSpPr txBox="1"/>
+          <p:nvPr/>
+        </p:nvSpPr>
+        <p:spPr>
+          <a:xfrm>
+            <a:off x="574418" y="364907"/>
+            <a:ext cx="8649291" cy="6702091"/>
+          </a:xfrm>
+          <a:prstGeom prst="rect">
+            <a:avLst/>
+          </a:prstGeom>
+          <a:noFill/>
+        </p:spPr>
+        <p:txBody>
+          <a:bodyPr wrap="none" rtlCol="0">
+            <a:spAutoFit/>
+          </a:bodyPr>
+          <a:lstStyle/>
+          <a:p>
+            <a:pPr>
+              <a:lnSpc>
+                <a:spcPct val="150000"/>
+              </a:lnSpc>
+            </a:pPr>
+            <a:r>
+              <a:rPr lang="en-US" sz="1600" dirty="0">
+                <a:latin typeface="+mj-lt"/>
+              </a:rPr>
+              <a:t>Common meta tags :</a:t>
+            </a:r>
+          </a:p>
+          <a:p>
+            <a:pPr>
+              <a:lnSpc>
+                <a:spcPct val="150000"/>
+              </a:lnSpc>
+            </a:pPr>
+            <a:r>
+              <a:rPr lang="en-US" sz="1600" dirty="0">
+                <a:latin typeface="+mj-lt"/>
+              </a:rPr>
+              <a:t>&lt;meta charset=“UTF-8” /&gt;</a:t>
+            </a:r>
+          </a:p>
+          <a:p>
+            <a:pPr>
+              <a:lnSpc>
+                <a:spcPct val="150000"/>
+              </a:lnSpc>
+            </a:pPr>
+            <a:r>
+              <a:rPr lang="en-US" sz="1600" dirty="0">
+                <a:latin typeface="+mj-lt"/>
+              </a:rPr>
+              <a:t>There is a standard encoding system that can display </a:t>
+            </a:r>
+          </a:p>
+          <a:p>
+            <a:pPr>
+              <a:lnSpc>
+                <a:spcPct val="150000"/>
+              </a:lnSpc>
+            </a:pPr>
+            <a:r>
+              <a:rPr lang="en-US" sz="1600" dirty="0">
+                <a:latin typeface="+mj-lt"/>
+              </a:rPr>
+              <a:t>all the letters and symbols of different languages ​​in the world, including Persian, Chinese, etc.</a:t>
+            </a:r>
+          </a:p>
+          <a:p>
+            <a:pPr>
+              <a:lnSpc>
+                <a:spcPct val="150000"/>
+              </a:lnSpc>
+            </a:pPr>
+            <a:endParaRPr lang="en-US" sz="1600" dirty="0">
+              <a:latin typeface="+mj-lt"/>
+            </a:endParaRPr>
+          </a:p>
+          <a:p>
+            <a:pPr>
+              <a:lnSpc>
+                <a:spcPct val="150000"/>
+              </a:lnSpc>
+            </a:pPr>
+            <a:r>
+              <a:rPr lang="en-US" sz="1600" dirty="0">
+                <a:latin typeface="+mj-lt"/>
+              </a:rPr>
+              <a:t>&lt;meta name=“description” content=“This is my first page” /&gt;</a:t>
+            </a:r>
+          </a:p>
+          <a:p>
+            <a:pPr>
+              <a:lnSpc>
+                <a:spcPct val="150000"/>
+              </a:lnSpc>
+            </a:pPr>
+            <a:r>
+              <a:rPr lang="en-US" sz="1600" i="0" dirty="0">
+                <a:solidFill>
+                  <a:srgbClr val="000000"/>
+                </a:solidFill>
+                <a:effectLst/>
+                <a:latin typeface="+mj-lt"/>
+              </a:rPr>
+              <a:t>Define a description of your web page.</a:t>
+            </a:r>
+          </a:p>
+          <a:p>
+            <a:pPr>
+              <a:lnSpc>
+                <a:spcPct val="150000"/>
+              </a:lnSpc>
+            </a:pPr>
+            <a:endParaRPr lang="en-US" sz="1600" dirty="0">
+              <a:solidFill>
+                <a:srgbClr val="000000"/>
+              </a:solidFill>
+              <a:latin typeface="+mj-lt"/>
+            </a:endParaRPr>
+          </a:p>
+          <a:p>
+            <a:pPr>
+              <a:lnSpc>
+                <a:spcPct val="150000"/>
+              </a:lnSpc>
+            </a:pPr>
+            <a:r>
+              <a:rPr lang="en-US" sz="1600" i="0" dirty="0">
+                <a:solidFill>
+                  <a:srgbClr val="000000"/>
+                </a:solidFill>
+                <a:effectLst/>
+                <a:latin typeface="+mj-lt"/>
+              </a:rPr>
+              <a:t>&lt;meta name=“author” content=“Maryam </a:t>
+            </a:r>
+            <a:r>
+              <a:rPr lang="en-US" sz="1600" i="0" dirty="0" err="1">
+                <a:solidFill>
+                  <a:srgbClr val="000000"/>
+                </a:solidFill>
+                <a:effectLst/>
+                <a:latin typeface="+mj-lt"/>
+              </a:rPr>
+              <a:t>zim</a:t>
+            </a:r>
+            <a:r>
+              <a:rPr lang="en-US" sz="1600" dirty="0">
+                <a:solidFill>
+                  <a:srgbClr val="000000"/>
+                </a:solidFill>
+                <a:latin typeface="+mj-lt"/>
+              </a:rPr>
+              <a:t>” /&gt;</a:t>
+            </a:r>
+          </a:p>
+          <a:p>
+            <a:pPr>
+              <a:lnSpc>
+                <a:spcPct val="150000"/>
+              </a:lnSpc>
+            </a:pPr>
+            <a:r>
+              <a:rPr lang="en-US" sz="1600" dirty="0">
+                <a:solidFill>
+                  <a:srgbClr val="000000"/>
+                </a:solidFill>
+                <a:latin typeface="+mj-lt"/>
+              </a:rPr>
+              <a:t>Show how wrote the page .</a:t>
+            </a:r>
+          </a:p>
+          <a:p>
+            <a:pPr>
+              <a:lnSpc>
+                <a:spcPct val="150000"/>
+              </a:lnSpc>
+            </a:pPr>
+            <a:r>
+              <a:rPr lang="en-US" sz="1600" dirty="0">
+                <a:solidFill>
+                  <a:srgbClr val="000000"/>
+                </a:solidFill>
+                <a:latin typeface="+mj-lt"/>
+              </a:rPr>
+              <a:t>Before we move on to viewport meta, we need to know</a:t>
+            </a:r>
+          </a:p>
+          <a:p>
+            <a:pPr>
+              <a:lnSpc>
+                <a:spcPct val="150000"/>
+              </a:lnSpc>
+            </a:pPr>
+            <a:endParaRPr lang="en-US" sz="1600" dirty="0">
+              <a:solidFill>
+                <a:srgbClr val="000000"/>
+              </a:solidFill>
+              <a:latin typeface="+mj-lt"/>
+            </a:endParaRPr>
+          </a:p>
+          <a:p>
+            <a:pPr>
+              <a:lnSpc>
+                <a:spcPct val="150000"/>
+              </a:lnSpc>
+            </a:pPr>
+            <a:r>
+              <a:rPr lang="en-US" sz="1600" b="1" dirty="0">
+                <a:solidFill>
+                  <a:srgbClr val="C00000"/>
+                </a:solidFill>
+                <a:latin typeface="+mj-lt"/>
+              </a:rPr>
+              <a:t>what is viewport ?</a:t>
+            </a:r>
+          </a:p>
+          <a:p>
+            <a:pPr>
+              <a:lnSpc>
+                <a:spcPct val="150000"/>
+              </a:lnSpc>
+            </a:pPr>
+            <a:r>
+              <a:rPr lang="en-US" sz="1600" b="1" i="0" dirty="0">
+                <a:effectLst/>
+                <a:latin typeface="+mj-lt"/>
+              </a:rPr>
+              <a:t>The viewport is the user's visible area of a web page</a:t>
+            </a:r>
+            <a:r>
+              <a:rPr lang="en-US" sz="1600" b="0" i="0" dirty="0">
+                <a:effectLst/>
+                <a:latin typeface="+mj-lt"/>
+              </a:rPr>
+              <a:t>. </a:t>
+            </a:r>
+          </a:p>
+          <a:p>
+            <a:pPr>
+              <a:lnSpc>
+                <a:spcPct val="150000"/>
+              </a:lnSpc>
+            </a:pPr>
+            <a:r>
+              <a:rPr lang="en-US" sz="1600" b="0" i="0" dirty="0">
+                <a:effectLst/>
+                <a:latin typeface="+mj-lt"/>
+              </a:rPr>
+              <a:t>The viewport varies with the device, and will be smaller on a mobile phone than on a computer screen.</a:t>
+            </a:r>
+          </a:p>
+          <a:p>
+            <a:pPr>
+              <a:lnSpc>
+                <a:spcPct val="150000"/>
+              </a:lnSpc>
+            </a:pPr>
+            <a:endParaRPr lang="en-US" sz="1600" i="0" dirty="0">
+              <a:effectLst/>
+              <a:latin typeface="+mj-lt"/>
+            </a:endParaRPr>
+          </a:p>
+          <a:p>
+            <a:pPr>
+              <a:lnSpc>
+                <a:spcPct val="150000"/>
+              </a:lnSpc>
+            </a:pPr>
+            <a:endParaRPr lang="en-US" sz="1600" dirty="0">
+              <a:solidFill>
+                <a:srgbClr val="000000"/>
+              </a:solidFill>
+              <a:latin typeface="+mj-lt"/>
+            </a:endParaRPr>
+          </a:p>
+          <a:p>
+            <a:pPr>
+              <a:lnSpc>
+                <a:spcPct val="150000"/>
+              </a:lnSpc>
+            </a:pPr>
+            <a:endParaRPr lang="en-US" sz="1600" dirty="0">
+              <a:latin typeface="+mj-lt"/>
+            </a:endParaRPr>
+          </a:p>
+        </p:txBody>
+      </p:sp>
+      <p:sp>
+        <p:nvSpPr>
+          <p:cNvPr id="6" name="AutoShape 4">
+            <a:extLst>
+              <a:ext uri="{FF2B5EF4-FFF2-40B4-BE49-F238E27FC236}">
+                <a16:creationId xmlns:a16="http://schemas.microsoft.com/office/drawing/2014/main" id="{8618E64C-9396-42C4-A0F8-6752FB8436BC}"/>
+              </a:ext>
+            </a:extLst>
+          </p:cNvPr>
+          <p:cNvSpPr>
+            <a:spLocks noChangeAspect="1" noChangeArrowheads="1"/>
+          </p:cNvSpPr>
+          <p:nvPr/>
+        </p:nvSpPr>
+        <p:spPr bwMode="auto">
+          <a:xfrm>
+            <a:off x="5943600" y="3276600"/>
+            <a:ext cx="304800" cy="304800"/>
+          </a:xfrm>
+          <a:prstGeom prst="rect">
+            <a:avLst/>
+          </a:prstGeom>
+          <a:noFill/>
+          <a:extLst>
+            <a:ext uri="{909E8E84-426E-40DD-AFC4-6F175D3DCCD1}">
+              <a14:hiddenFill xmlns:a14="http://schemas.microsoft.com/office/drawing/2010/main">
+                <a:solidFill>
+                  <a:srgbClr val="FFFFFF"/>
+                </a:solidFill>
+              </a14:hiddenFill>
+            </a:ext>
+          </a:extLst>
+        </p:spPr>
+        <p:txBody>
+          <a:bodyPr vert="horz" wrap="square" lIns="91440" tIns="45720" rIns="91440" bIns="45720" numCol="1" anchor="t" anchorCtr="0" compatLnSpc="1">
+            <a:prstTxWarp prst="textNoShape">
+              <a:avLst/>
+            </a:prstTxWarp>
+          </a:bodyPr>
+          <a:lstStyle/>
+          <a:p>
+            <a:endParaRPr lang="en-US"/>
+          </a:p>
+        </p:txBody>
+      </p:sp>
+    </p:spTree>
+    <p:extLst>
+      <p:ext uri="{BB962C8B-B14F-4D97-AF65-F5344CB8AC3E}">
+        <p14:creationId xmlns:p14="http://schemas.microsoft.com/office/powerpoint/2010/main" val="2297839508"/>
+      </p:ext>
+    </p:extLst>
+  </p:cSld>
+  <p:clrMapOvr>
+    <a:masterClrMapping/>
+  </p:clrMapOvr>
+</p:sld>
+</file>
+
+<file path=ppt/slides/slide7.xml><?xml version="1.0" encoding="utf-8"?>
+<p:sld xmlns:a="http://schemas.openxmlformats.org/drawingml/2006/main" xmlns:r="http://schemas.openxmlformats.org/officeDocument/2006/relationships" xmlns:p="http://schemas.openxmlformats.org/presentationml/2006/main">
+  <p:cSld>
+    <p:spTree>
+      <p:nvGrpSpPr>
+        <p:cNvPr id="1" name=""/>
+        <p:cNvGrpSpPr/>
+        <p:nvPr/>
+      </p:nvGrpSpPr>
+      <p:grpSpPr>
+        <a:xfrm>
+          <a:off x="0" y="0"/>
+          <a:ext cx="0" cy="0"/>
+          <a:chOff x="0" y="0"/>
+          <a:chExt cx="0" cy="0"/>
+        </a:xfrm>
+      </p:grpSpPr>
       <p:pic>
         <p:nvPicPr>
           <p:cNvPr id="4" name="Picture 3">
@@ -6080,7 +6545,7 @@
 </p:sld>
 </file>
 
-<file path=ppt/slides/slide7.xml><?xml version="1.0" encoding="utf-8"?>
+<file path=ppt/slides/slide8.xml><?xml version="1.0" encoding="utf-8"?>
 <p:sld xmlns:a="http://schemas.openxmlformats.org/drawingml/2006/main" xmlns:r="http://schemas.openxmlformats.org/officeDocument/2006/relationships" xmlns:p="http://schemas.openxmlformats.org/presentationml/2006/main">
   <p:cSld>
     <p:spTree>
@@ -6293,7 +6758,7 @@
 </p:sld>
 </file>
 
-<file path=ppt/slides/slide8.xml><?xml version="1.0" encoding="utf-8"?>
+<file path=ppt/slides/slide9.xml><?xml version="1.0" encoding="utf-8"?>
 <p:sld xmlns:a="http://schemas.openxmlformats.org/drawingml/2006/main" xmlns:r="http://schemas.openxmlformats.org/officeDocument/2006/relationships" xmlns:p="http://schemas.openxmlformats.org/presentationml/2006/main">
   <p:cSld>
     <p:spTree>
@@ -6630,364 +7095,6 @@
     <p:extLst>
       <p:ext uri="{BB962C8B-B14F-4D97-AF65-F5344CB8AC3E}">
         <p14:creationId xmlns:p14="http://schemas.microsoft.com/office/powerpoint/2010/main" val="1309998064"/>
-      </p:ext>
-    </p:extLst>
-  </p:cSld>
-  <p:clrMapOvr>
-    <a:masterClrMapping/>
-  </p:clrMapOvr>
-</p:sld>
-</file>
-
-<file path=ppt/slides/slide9.xml><?xml version="1.0" encoding="utf-8"?>
-<p:sld xmlns:a="http://schemas.openxmlformats.org/drawingml/2006/main" xmlns:r="http://schemas.openxmlformats.org/officeDocument/2006/relationships" xmlns:p="http://schemas.openxmlformats.org/presentationml/2006/main">
-  <p:cSld>
-    <p:spTree>
-      <p:nvGrpSpPr>
-        <p:cNvPr id="1" name=""/>
-        <p:cNvGrpSpPr/>
-        <p:nvPr/>
-      </p:nvGrpSpPr>
-      <p:grpSpPr>
-        <a:xfrm>
-          <a:off x="0" y="0"/>
-          <a:ext cx="0" cy="0"/>
-          <a:chOff x="0" y="0"/>
-          <a:chExt cx="0" cy="0"/>
-        </a:xfrm>
-      </p:grpSpPr>
-      <p:sp>
-        <p:nvSpPr>
-          <p:cNvPr id="4" name="TextBox 3">
-            <a:extLst>
-              <a:ext uri="{FF2B5EF4-FFF2-40B4-BE49-F238E27FC236}">
-                <a16:creationId xmlns:a16="http://schemas.microsoft.com/office/drawing/2014/main" id="{7EBAD9E0-F4F9-44EC-BE74-A7FCD42E3036}"/>
-              </a:ext>
-            </a:extLst>
-          </p:cNvPr>
-          <p:cNvSpPr txBox="1"/>
-          <p:nvPr/>
-        </p:nvSpPr>
-        <p:spPr>
-          <a:xfrm>
-            <a:off x="692742" y="0"/>
-            <a:ext cx="8789188" cy="7112845"/>
-          </a:xfrm>
-          <a:prstGeom prst="rect">
-            <a:avLst/>
-          </a:prstGeom>
-          <a:noFill/>
-        </p:spPr>
-        <p:txBody>
-          <a:bodyPr wrap="square" rtlCol="0">
-            <a:spAutoFit/>
-          </a:bodyPr>
-          <a:lstStyle/>
-          <a:p>
-            <a:pPr>
-              <a:lnSpc>
-                <a:spcPct val="150000"/>
-              </a:lnSpc>
-            </a:pPr>
-            <a:r>
-              <a:rPr lang="en-US" b="1" dirty="0">
-                <a:latin typeface="+mj-lt"/>
-              </a:rPr>
-              <a:t>&lt;Body &gt; tag : </a:t>
-            </a:r>
-          </a:p>
-          <a:p>
-            <a:pPr>
-              <a:lnSpc>
-                <a:spcPct val="150000"/>
-              </a:lnSpc>
-            </a:pPr>
-            <a:r>
-              <a:rPr lang="en-US" dirty="0">
-                <a:latin typeface="+mj-lt"/>
-              </a:rPr>
-              <a:t>Everything the users see and interact is in this tag.</a:t>
-            </a:r>
-          </a:p>
-          <a:p>
-            <a:pPr>
-              <a:lnSpc>
-                <a:spcPct val="150000"/>
-              </a:lnSpc>
-            </a:pPr>
-            <a:r>
-              <a:rPr lang="en-US" b="1" dirty="0">
-                <a:latin typeface="+mj-lt"/>
-              </a:rPr>
-              <a:t>What is attribute : </a:t>
-            </a:r>
-          </a:p>
-          <a:p>
-            <a:pPr>
-              <a:lnSpc>
-                <a:spcPct val="150000"/>
-              </a:lnSpc>
-            </a:pPr>
-            <a:r>
-              <a:rPr lang="en-US" dirty="0">
-                <a:latin typeface="+mj-lt"/>
-              </a:rPr>
-              <a:t>Attributes give extra information about html elements.</a:t>
-            </a:r>
-          </a:p>
-          <a:p>
-            <a:pPr>
-              <a:lnSpc>
-                <a:spcPct val="150000"/>
-              </a:lnSpc>
-            </a:pPr>
-            <a:r>
-              <a:rPr lang="en-US" dirty="0">
-                <a:latin typeface="+mj-lt"/>
-              </a:rPr>
-              <a:t>We should written inside the opening tag only.</a:t>
-            </a:r>
-          </a:p>
-          <a:p>
-            <a:pPr>
-              <a:lnSpc>
-                <a:spcPct val="150000"/>
-              </a:lnSpc>
-            </a:pPr>
-            <a:r>
-              <a:rPr lang="en-US" b="1" dirty="0">
-                <a:latin typeface="+mj-lt"/>
-              </a:rPr>
-              <a:t>Format</a:t>
-            </a:r>
-            <a:r>
-              <a:rPr lang="en-US" dirty="0">
-                <a:latin typeface="+mj-lt"/>
-              </a:rPr>
-              <a:t> = &gt; &lt;tag-name attribute-name=“value &gt; content &lt;/tag-name&gt;</a:t>
-            </a:r>
-          </a:p>
-          <a:p>
-            <a:pPr>
-              <a:lnSpc>
-                <a:spcPct val="150000"/>
-              </a:lnSpc>
-            </a:pPr>
-            <a:r>
-              <a:rPr lang="en-US" b="1" dirty="0">
-                <a:latin typeface="+mj-lt"/>
-              </a:rPr>
-              <a:t>We have 2 types :</a:t>
-            </a:r>
-          </a:p>
-          <a:p>
-            <a:pPr>
-              <a:lnSpc>
-                <a:spcPct val="150000"/>
-              </a:lnSpc>
-            </a:pPr>
-            <a:r>
-              <a:rPr lang="en-US" dirty="0">
-                <a:latin typeface="+mj-lt"/>
-              </a:rPr>
-              <a:t>1- global attribute =&gt; works on most element like id/class/style , </a:t>
-            </a:r>
-            <a:r>
-              <a:rPr lang="en-US" dirty="0" err="1">
-                <a:latin typeface="+mj-lt"/>
-              </a:rPr>
-              <a:t>etc</a:t>
-            </a:r>
-            <a:r>
-              <a:rPr lang="en-US" dirty="0">
-                <a:latin typeface="+mj-lt"/>
-              </a:rPr>
-              <a:t> </a:t>
-            </a:r>
-          </a:p>
-          <a:p>
-            <a:pPr>
-              <a:lnSpc>
-                <a:spcPct val="150000"/>
-              </a:lnSpc>
-            </a:pPr>
-            <a:r>
-              <a:rPr lang="en-US" dirty="0">
-                <a:latin typeface="+mj-lt"/>
-              </a:rPr>
-              <a:t>2- element specific =&gt; required for accessibility :</a:t>
-            </a:r>
-          </a:p>
-          <a:p>
-            <a:pPr>
-              <a:lnSpc>
-                <a:spcPct val="150000"/>
-              </a:lnSpc>
-            </a:pPr>
-            <a:r>
-              <a:rPr lang="en-US" dirty="0">
-                <a:latin typeface="+mj-lt"/>
-              </a:rPr>
-              <a:t>For example: </a:t>
-            </a:r>
-          </a:p>
-          <a:p>
-            <a:pPr>
-              <a:lnSpc>
-                <a:spcPct val="150000"/>
-              </a:lnSpc>
-            </a:pPr>
-            <a:r>
-              <a:rPr lang="en-US" dirty="0">
-                <a:latin typeface="+mj-lt"/>
-              </a:rPr>
-              <a:t>&lt;</a:t>
-            </a:r>
-            <a:r>
-              <a:rPr lang="en-US" dirty="0" err="1">
-                <a:latin typeface="+mj-lt"/>
-              </a:rPr>
-              <a:t>img</a:t>
-            </a:r>
-            <a:r>
-              <a:rPr lang="en-US" dirty="0">
-                <a:latin typeface="+mj-lt"/>
-              </a:rPr>
-              <a:t> </a:t>
-            </a:r>
-            <a:r>
-              <a:rPr lang="en-US" dirty="0" err="1">
-                <a:latin typeface="+mj-lt"/>
-              </a:rPr>
-              <a:t>src</a:t>
-            </a:r>
-            <a:r>
-              <a:rPr lang="en-US" dirty="0">
-                <a:latin typeface="+mj-lt"/>
-              </a:rPr>
-              <a:t> alt /&gt;</a:t>
-            </a:r>
-          </a:p>
-          <a:p>
-            <a:pPr>
-              <a:lnSpc>
-                <a:spcPct val="150000"/>
-              </a:lnSpc>
-            </a:pPr>
-            <a:r>
-              <a:rPr lang="en-US" b="1" dirty="0" err="1">
-                <a:latin typeface="+mj-lt"/>
-              </a:rPr>
-              <a:t>Src</a:t>
-            </a:r>
-            <a:r>
-              <a:rPr lang="en-US" dirty="0">
-                <a:latin typeface="+mj-lt"/>
-              </a:rPr>
-              <a:t> = path of image</a:t>
-            </a:r>
-          </a:p>
-          <a:p>
-            <a:pPr>
-              <a:lnSpc>
-                <a:spcPct val="150000"/>
-              </a:lnSpc>
-            </a:pPr>
-            <a:r>
-              <a:rPr lang="en-US" b="1" dirty="0">
-                <a:latin typeface="+mj-lt"/>
-              </a:rPr>
-              <a:t>Alt</a:t>
-            </a:r>
-            <a:r>
-              <a:rPr lang="en-US" dirty="0">
-                <a:latin typeface="+mj-lt"/>
-              </a:rPr>
-              <a:t>= </a:t>
-            </a:r>
-            <a:r>
-              <a:rPr lang="en-US" b="0" i="0" dirty="0">
-                <a:effectLst/>
-                <a:latin typeface="+mj-lt"/>
-              </a:rPr>
-              <a:t>The alt attribute provides alternative information for an image if a user for</a:t>
-            </a:r>
-          </a:p>
-          <a:p>
-            <a:pPr>
-              <a:lnSpc>
-                <a:spcPct val="150000"/>
-              </a:lnSpc>
-            </a:pPr>
-            <a:r>
-              <a:rPr lang="en-US" b="0" i="0" dirty="0">
-                <a:effectLst/>
-                <a:latin typeface="+mj-lt"/>
-              </a:rPr>
-              <a:t>some reason cannot view it (because of slow connection,</a:t>
-            </a:r>
-          </a:p>
-          <a:p>
-            <a:pPr>
-              <a:lnSpc>
-                <a:spcPct val="150000"/>
-              </a:lnSpc>
-            </a:pPr>
-            <a:r>
-              <a:rPr lang="en-US" b="0" i="0" dirty="0">
-                <a:effectLst/>
-                <a:latin typeface="+mj-lt"/>
-              </a:rPr>
-              <a:t>an error in the </a:t>
-            </a:r>
-            <a:r>
-              <a:rPr lang="en-US" b="0" i="0" dirty="0" err="1">
-                <a:effectLst/>
-                <a:latin typeface="+mj-lt"/>
-              </a:rPr>
-              <a:t>src</a:t>
-            </a:r>
-            <a:r>
-              <a:rPr lang="en-US" b="0" i="0" dirty="0">
-                <a:effectLst/>
-                <a:latin typeface="+mj-lt"/>
-              </a:rPr>
-              <a:t> attribute, or if the user uses a screen reader).</a:t>
-            </a:r>
-          </a:p>
-          <a:p>
-            <a:pPr>
-              <a:lnSpc>
-                <a:spcPct val="150000"/>
-              </a:lnSpc>
-            </a:pPr>
-            <a:r>
-              <a:rPr lang="en-US" b="0" i="0" dirty="0">
-                <a:effectLst/>
-                <a:latin typeface="+mj-lt"/>
-              </a:rPr>
-              <a:t>Tip: To create a tooltip for an image, use the title attribute!</a:t>
-            </a:r>
-            <a:endParaRPr lang="en-US" dirty="0">
-              <a:latin typeface="+mj-lt"/>
-            </a:endParaRPr>
-          </a:p>
-          <a:p>
-            <a:pPr>
-              <a:lnSpc>
-                <a:spcPct val="150000"/>
-              </a:lnSpc>
-            </a:pPr>
-            <a:endParaRPr lang="en-US" dirty="0">
-              <a:latin typeface="+mj-lt"/>
-            </a:endParaRPr>
-          </a:p>
-        </p:txBody>
-      </p:sp>
-    </p:spTree>
-    <p:extLst>
-      <p:ext uri="{BB962C8B-B14F-4D97-AF65-F5344CB8AC3E}">
-        <p14:creationId xmlns:p14="http://schemas.microsoft.com/office/powerpoint/2010/main" val="2434307261"/>
       </p:ext>
     </p:extLst>
   </p:cSld>

--- a/session 1/session 1.pptx
+++ b/session 1/session 1.pptx
@@ -5,7 +5,7 @@
     <p:sldMasterId id="2147483648" r:id="rId1"/>
   </p:sldMasterIdLst>
   <p:sldIdLst>
-    <p:sldId id="272" r:id="rId2"/>
+    <p:sldId id="273" r:id="rId2"/>
     <p:sldId id="256" r:id="rId3"/>
     <p:sldId id="260" r:id="rId4"/>
     <p:sldId id="257" r:id="rId5"/>
@@ -271,7 +271,7 @@
           <a:p>
             <a:fld id="{807B2B08-B017-4EEC-B17F-079F487C2A94}" type="datetimeFigureOut">
               <a:rPr lang="en-US" smtClean="0"/>
-              <a:t>10/17/25</a:t>
+              <a:t>11/13/25</a:t>
             </a:fld>
             <a:endParaRPr lang="en-US"/>
           </a:p>
@@ -469,7 +469,7 @@
           <a:p>
             <a:fld id="{807B2B08-B017-4EEC-B17F-079F487C2A94}" type="datetimeFigureOut">
               <a:rPr lang="en-US" smtClean="0"/>
-              <a:t>10/17/25</a:t>
+              <a:t>11/13/25</a:t>
             </a:fld>
             <a:endParaRPr lang="en-US"/>
           </a:p>
@@ -677,7 +677,7 @@
           <a:p>
             <a:fld id="{807B2B08-B017-4EEC-B17F-079F487C2A94}" type="datetimeFigureOut">
               <a:rPr lang="en-US" smtClean="0"/>
-              <a:t>10/17/25</a:t>
+              <a:t>11/13/25</a:t>
             </a:fld>
             <a:endParaRPr lang="en-US"/>
           </a:p>
@@ -875,7 +875,7 @@
           <a:p>
             <a:fld id="{807B2B08-B017-4EEC-B17F-079F487C2A94}" type="datetimeFigureOut">
               <a:rPr lang="en-US" smtClean="0"/>
-              <a:t>10/17/25</a:t>
+              <a:t>11/13/25</a:t>
             </a:fld>
             <a:endParaRPr lang="en-US"/>
           </a:p>
@@ -1150,7 +1150,7 @@
           <a:p>
             <a:fld id="{807B2B08-B017-4EEC-B17F-079F487C2A94}" type="datetimeFigureOut">
               <a:rPr lang="en-US" smtClean="0"/>
-              <a:t>10/17/25</a:t>
+              <a:t>11/13/25</a:t>
             </a:fld>
             <a:endParaRPr lang="en-US"/>
           </a:p>
@@ -1415,7 +1415,7 @@
           <a:p>
             <a:fld id="{807B2B08-B017-4EEC-B17F-079F487C2A94}" type="datetimeFigureOut">
               <a:rPr lang="en-US" smtClean="0"/>
-              <a:t>10/17/25</a:t>
+              <a:t>11/13/25</a:t>
             </a:fld>
             <a:endParaRPr lang="en-US"/>
           </a:p>
@@ -1827,7 +1827,7 @@
           <a:p>
             <a:fld id="{807B2B08-B017-4EEC-B17F-079F487C2A94}" type="datetimeFigureOut">
               <a:rPr lang="en-US" smtClean="0"/>
-              <a:t>10/17/25</a:t>
+              <a:t>11/13/25</a:t>
             </a:fld>
             <a:endParaRPr lang="en-US"/>
           </a:p>
@@ -1968,7 +1968,7 @@
           <a:p>
             <a:fld id="{807B2B08-B017-4EEC-B17F-079F487C2A94}" type="datetimeFigureOut">
               <a:rPr lang="en-US" smtClean="0"/>
-              <a:t>10/17/25</a:t>
+              <a:t>11/13/25</a:t>
             </a:fld>
             <a:endParaRPr lang="en-US"/>
           </a:p>
@@ -2081,7 +2081,7 @@
           <a:p>
             <a:fld id="{807B2B08-B017-4EEC-B17F-079F487C2A94}" type="datetimeFigureOut">
               <a:rPr lang="en-US" smtClean="0"/>
-              <a:t>10/17/25</a:t>
+              <a:t>11/13/25</a:t>
             </a:fld>
             <a:endParaRPr lang="en-US"/>
           </a:p>
@@ -2392,7 +2392,7 @@
           <a:p>
             <a:fld id="{807B2B08-B017-4EEC-B17F-079F487C2A94}" type="datetimeFigureOut">
               <a:rPr lang="en-US" smtClean="0"/>
-              <a:t>10/17/25</a:t>
+              <a:t>11/13/25</a:t>
             </a:fld>
             <a:endParaRPr lang="en-US"/>
           </a:p>
@@ -2680,7 +2680,7 @@
           <a:p>
             <a:fld id="{807B2B08-B017-4EEC-B17F-079F487C2A94}" type="datetimeFigureOut">
               <a:rPr lang="en-US" smtClean="0"/>
-              <a:t>10/17/25</a:t>
+              <a:t>11/13/25</a:t>
             </a:fld>
             <a:endParaRPr lang="en-US"/>
           </a:p>
@@ -2921,7 +2921,7 @@
           <a:p>
             <a:fld id="{807B2B08-B017-4EEC-B17F-079F487C2A94}" type="datetimeFigureOut">
               <a:rPr lang="en-US" smtClean="0"/>
-              <a:t>10/17/25</a:t>
+              <a:t>11/13/25</a:t>
             </a:fld>
             <a:endParaRPr lang="en-US"/>
           </a:p>
@@ -3356,7 +3356,7 @@
         </p:nvSpPr>
         <p:spPr>
           <a:xfrm>
-            <a:off x="1079864" y="452845"/>
+            <a:off x="1079864" y="240060"/>
             <a:ext cx="9144000" cy="5786006"/>
           </a:xfrm>
         </p:spPr>
@@ -3377,8 +3377,12 @@
               <a:rPr lang="en-US" dirty="0"/>
             </a:br>
             <a:r>
+              <a:rPr lang="en-US" sz="3200" b="1"/>
+              <a:t>Session </a:t>
+            </a:r>
+            <a:r>
               <a:rPr lang="en-US" sz="3200" b="1" dirty="0"/>
-              <a:t>Session 1</a:t>
+              <a:t>1</a:t>
             </a:r>
             <a:br>
               <a:rPr lang="en-US" sz="3200" b="1" dirty="0"/>
@@ -3414,10 +3418,200 @@
           </a:p>
         </p:txBody>
       </p:sp>
+      <p:sp>
+        <p:nvSpPr>
+          <p:cNvPr id="3" name="TextBox 2">
+            <a:extLst>
+              <a:ext uri="{FF2B5EF4-FFF2-40B4-BE49-F238E27FC236}">
+                <a16:creationId xmlns:a16="http://schemas.microsoft.com/office/drawing/2014/main" id="{64A49644-702C-104B-A3C2-E81A66E02B10}"/>
+              </a:ext>
+            </a:extLst>
+          </p:cNvPr>
+          <p:cNvSpPr txBox="1"/>
+          <p:nvPr/>
+        </p:nvSpPr>
+        <p:spPr>
+          <a:xfrm>
+            <a:off x="333555" y="6331012"/>
+            <a:ext cx="2179608" cy="430887"/>
+          </a:xfrm>
+          <a:prstGeom prst="rect">
+            <a:avLst/>
+          </a:prstGeom>
+          <a:noFill/>
+        </p:spPr>
+        <p:txBody>
+          <a:bodyPr wrap="square" rtlCol="0">
+            <a:spAutoFit/>
+          </a:bodyPr>
+          <a:lstStyle/>
+          <a:p>
+            <a:r>
+              <a:rPr lang="en-US" sz="1100" dirty="0">
+                <a:latin typeface="+mj-lt"/>
+              </a:rPr>
+              <a:t>@</a:t>
+            </a:r>
+            <a:r>
+              <a:rPr lang="en-US" sz="1100" dirty="0" err="1">
+                <a:latin typeface="+mj-lt"/>
+              </a:rPr>
+              <a:t>maryamzim</a:t>
+            </a:r>
+            <a:r>
+              <a:rPr lang="en-US" sz="1100" dirty="0">
+                <a:latin typeface="+mj-lt"/>
+              </a:rPr>
+              <a:t> </a:t>
+            </a:r>
+            <a:r>
+              <a:rPr lang="en-US" sz="1100" dirty="0" err="1">
+                <a:latin typeface="+mj-lt"/>
+              </a:rPr>
+              <a:t>maryamxiim@gmail.com</a:t>
+            </a:r>
+            <a:endParaRPr lang="en-US" sz="1100" dirty="0">
+              <a:latin typeface="+mj-lt"/>
+            </a:endParaRPr>
+          </a:p>
+        </p:txBody>
+      </p:sp>
+      <p:cxnSp>
+        <p:nvCxnSpPr>
+          <p:cNvPr id="5" name="Straight Connector 4">
+            <a:extLst>
+              <a:ext uri="{FF2B5EF4-FFF2-40B4-BE49-F238E27FC236}">
+                <a16:creationId xmlns:a16="http://schemas.microsoft.com/office/drawing/2014/main" id="{9139A4A4-6725-59CF-7099-1F9127951243}"/>
+              </a:ext>
+            </a:extLst>
+          </p:cNvPr>
+          <p:cNvCxnSpPr>
+            <a:cxnSpLocks/>
+          </p:cNvCxnSpPr>
+          <p:nvPr/>
+        </p:nvCxnSpPr>
+        <p:spPr>
+          <a:xfrm>
+            <a:off x="0" y="6239774"/>
+            <a:ext cx="12192000" cy="0"/>
+          </a:xfrm>
+          <a:prstGeom prst="line">
+            <a:avLst/>
+          </a:prstGeom>
+        </p:spPr>
+        <p:style>
+          <a:lnRef idx="1">
+            <a:schemeClr val="dk1"/>
+          </a:lnRef>
+          <a:fillRef idx="0">
+            <a:schemeClr val="dk1"/>
+          </a:fillRef>
+          <a:effectRef idx="0">
+            <a:schemeClr val="dk1"/>
+          </a:effectRef>
+          <a:fontRef idx="minor">
+            <a:schemeClr val="tx1"/>
+          </a:fontRef>
+        </p:style>
+      </p:cxnSp>
+      <p:pic>
+        <p:nvPicPr>
+          <p:cNvPr id="20482" name="Picture 2">
+            <a:extLst>
+              <a:ext uri="{FF2B5EF4-FFF2-40B4-BE49-F238E27FC236}">
+                <a16:creationId xmlns:a16="http://schemas.microsoft.com/office/drawing/2014/main" id="{C0C7CD75-3CDC-8F39-FAB2-BC9933D5BCEE}"/>
+              </a:ext>
+            </a:extLst>
+          </p:cNvPr>
+          <p:cNvPicPr>
+            <a:picLocks noChangeAspect="1" noChangeArrowheads="1"/>
+          </p:cNvPicPr>
+          <p:nvPr/>
+        </p:nvPicPr>
+        <p:blipFill>
+          <a:blip r:embed="rId2">
+            <a:extLst>
+              <a:ext uri="{28A0092B-C50C-407E-A947-70E740481C1C}">
+                <a14:useLocalDpi xmlns:a14="http://schemas.microsoft.com/office/drawing/2010/main" val="0"/>
+              </a:ext>
+            </a:extLst>
+          </a:blip>
+          <a:srcRect/>
+          <a:stretch>
+            <a:fillRect/>
+          </a:stretch>
+        </p:blipFill>
+        <p:spPr bwMode="auto">
+          <a:xfrm>
+            <a:off x="240580" y="6406516"/>
+            <a:ext cx="139939" cy="139939"/>
+          </a:xfrm>
+          <a:prstGeom prst="rect">
+            <a:avLst/>
+          </a:prstGeom>
+          <a:noFill/>
+          <a:extLst>
+            <a:ext uri="{909E8E84-426E-40DD-AFC4-6F175D3DCCD1}">
+              <a14:hiddenFill xmlns:a14="http://schemas.microsoft.com/office/drawing/2010/main">
+                <a:solidFill>
+                  <a:srgbClr val="FFFFFF"/>
+                </a:solidFill>
+              </a14:hiddenFill>
+            </a:ext>
+          </a:extLst>
+        </p:spPr>
+      </p:pic>
+      <p:pic>
+        <p:nvPicPr>
+          <p:cNvPr id="20484" name="Picture 4">
+            <a:extLst>
+              <a:ext uri="{FF2B5EF4-FFF2-40B4-BE49-F238E27FC236}">
+                <a16:creationId xmlns:a16="http://schemas.microsoft.com/office/drawing/2014/main" id="{897B446E-8E4A-1444-0B25-280230FC1E52}"/>
+              </a:ext>
+            </a:extLst>
+          </p:cNvPr>
+          <p:cNvPicPr>
+            <a:picLocks noChangeAspect="1" noChangeArrowheads="1"/>
+          </p:cNvPicPr>
+          <p:nvPr/>
+        </p:nvPicPr>
+        <p:blipFill>
+          <a:blip r:embed="rId3">
+            <a:extLst>
+              <a:ext uri="{28A0092B-C50C-407E-A947-70E740481C1C}">
+                <a14:useLocalDpi xmlns:a14="http://schemas.microsoft.com/office/drawing/2010/main" val="0"/>
+              </a:ext>
+            </a:extLst>
+          </a:blip>
+          <a:srcRect/>
+          <a:stretch>
+            <a:fillRect/>
+          </a:stretch>
+        </p:blipFill>
+        <p:spPr bwMode="auto">
+          <a:xfrm>
+            <a:off x="241536" y="6593099"/>
+            <a:ext cx="138983" cy="99151"/>
+          </a:xfrm>
+          <a:prstGeom prst="rect">
+            <a:avLst/>
+          </a:prstGeom>
+          <a:noFill/>
+          <a:extLst>
+            <a:ext uri="{909E8E84-426E-40DD-AFC4-6F175D3DCCD1}">
+              <a14:hiddenFill xmlns:a14="http://schemas.microsoft.com/office/drawing/2010/main">
+                <a:solidFill>
+                  <a:srgbClr val="FFFFFF"/>
+                </a:solidFill>
+              </a14:hiddenFill>
+            </a:ext>
+          </a:extLst>
+        </p:spPr>
+      </p:pic>
     </p:spTree>
     <p:extLst>
       <p:ext uri="{BB962C8B-B14F-4D97-AF65-F5344CB8AC3E}">
-        <p14:creationId xmlns:p14="http://schemas.microsoft.com/office/powerpoint/2010/main" val="479985526"/>
+        <p14:creationId xmlns:p14="http://schemas.microsoft.com/office/powerpoint/2010/main" val="80005758"/>
       </p:ext>
     </p:extLst>
   </p:cSld>
